--- a/Presentation.pptx
+++ b/Presentation.pptx
@@ -18,8 +18,8 @@
     <p:sldId id="257" r:id="rId12"/>
     <p:sldId id="258" r:id="rId13"/>
     <p:sldId id="259" r:id="rId14"/>
-    <p:sldId id="260" r:id="rId15"/>
-    <p:sldId id="261" r:id="rId16"/>
+    <p:sldId id="261" r:id="rId15"/>
+    <p:sldId id="260" r:id="rId16"/>
     <p:sldId id="262" r:id="rId17"/>
     <p:sldId id="263" r:id="rId18"/>
     <p:sldId id="264" r:id="rId19"/>
@@ -27,19 +27,21 @@
     <p:sldId id="266" r:id="rId21"/>
     <p:sldId id="267" r:id="rId22"/>
     <p:sldId id="268" r:id="rId23"/>
-    <p:sldId id="270" r:id="rId24"/>
-    <p:sldId id="269" r:id="rId25"/>
-    <p:sldId id="271" r:id="rId26"/>
-    <p:sldId id="272" r:id="rId27"/>
-    <p:sldId id="274" r:id="rId28"/>
-    <p:sldId id="273" r:id="rId29"/>
-    <p:sldId id="275" r:id="rId30"/>
-    <p:sldId id="276" r:id="rId31"/>
-    <p:sldId id="278" r:id="rId32"/>
-    <p:sldId id="277" r:id="rId33"/>
-    <p:sldId id="279" r:id="rId34"/>
-    <p:sldId id="280" r:id="rId35"/>
-    <p:sldId id="282" r:id="rId36"/>
+    <p:sldId id="274" r:id="rId24"/>
+    <p:sldId id="273" r:id="rId25"/>
+    <p:sldId id="275" r:id="rId26"/>
+    <p:sldId id="276" r:id="rId27"/>
+    <p:sldId id="278" r:id="rId28"/>
+    <p:sldId id="277" r:id="rId29"/>
+    <p:sldId id="279" r:id="rId30"/>
+    <p:sldId id="280" r:id="rId31"/>
+    <p:sldId id="284" r:id="rId32"/>
+    <p:sldId id="285" r:id="rId33"/>
+    <p:sldId id="286" r:id="rId34"/>
+    <p:sldId id="272" r:id="rId35"/>
+    <p:sldId id="283" r:id="rId36"/>
+    <p:sldId id="287" r:id="rId37"/>
+    <p:sldId id="282" r:id="rId38"/>
   </p:sldIdLst>
   <p:sldSz cx="12192000" cy="6858000"/>
   <p:notesSz cx="7559675" cy="10691813"/>
@@ -138,6 +140,11 @@
       </a:defRPr>
     </a:lvl9pPr>
   </p:defaultTextStyle>
+  <p:extLst>
+    <p:ext uri="{EFAFB233-063F-42B5-8137-9DF3F51BA10A}">
+      <p15:sldGuideLst xmlns:p15="http://schemas.microsoft.com/office/powerpoint/2012/main"/>
+    </p:ext>
+  </p:extLst>
 </p:presentation>
 </file>
 
@@ -14383,7 +14390,7 @@
         <p:spPr>
           <a:xfrm>
             <a:off x="677334" y="4493343"/>
-            <a:ext cx="10559846" cy="830997"/>
+            <a:ext cx="10559846" cy="1200329"/>
           </a:xfrm>
           <a:prstGeom prst="rect">
             <a:avLst/>
@@ -14398,13 +14405,27 @@
           <a:p>
             <a:r>
               <a:rPr lang="en-US" sz="2400" dirty="0"/>
-              <a:t>Prepared by Kunal Gokhe</a:t>
+              <a:t>Prepared by </a:t>
             </a:r>
           </a:p>
           <a:p>
             <a:r>
               <a:rPr lang="en-US" sz="2400" dirty="0"/>
-              <a:t>MT2309</a:t>
+              <a:t>Kunal </a:t>
+            </a:r>
+            <a:r>
+              <a:rPr lang="en-US" sz="2400" dirty="0" err="1"/>
+              <a:t>Gokhe</a:t>
+            </a:r>
+            <a:r>
+              <a:rPr lang="en-US" sz="2400" dirty="0"/>
+              <a:t> MT2309</a:t>
+            </a:r>
+          </a:p>
+          <a:p>
+            <a:r>
+              <a:rPr lang="en-US" sz="2400" dirty="0"/>
+              <a:t>Famit Dongarwar MT2305</a:t>
             </a:r>
             <a:endParaRPr lang="en-IN" sz="2400" dirty="0"/>
           </a:p>
@@ -14588,29 +14609,6 @@
           <a:chExt cx="0" cy="0"/>
         </a:xfrm>
       </p:grpSpPr>
-      <p:pic>
-        <p:nvPicPr>
-          <p:cNvPr id="90" name="Picture 89"/>
-          <p:cNvPicPr/>
-          <p:nvPr/>
-        </p:nvPicPr>
-        <p:blipFill>
-          <a:blip r:embed="rId2"/>
-          <a:stretch/>
-        </p:blipFill>
-        <p:spPr>
-          <a:xfrm>
-            <a:off x="486697" y="1769806"/>
-            <a:ext cx="4478593" cy="3539613"/>
-          </a:xfrm>
-          <a:prstGeom prst="rect">
-            <a:avLst/>
-          </a:prstGeom>
-          <a:ln w="0">
-            <a:noFill/>
-          </a:ln>
-        </p:spPr>
-      </p:pic>
       <p:sp>
         <p:nvSpPr>
           <p:cNvPr id="89" name="PlaceHolder 1"/>
@@ -14656,7 +14654,7 @@
           <p:nvPr/>
         </p:nvPicPr>
         <p:blipFill>
-          <a:blip r:embed="rId3"/>
+          <a:blip r:embed="rId2"/>
           <a:stretch/>
         </p:blipFill>
         <p:spPr>
@@ -14707,6 +14705,36 @@
           </a:p>
         </p:txBody>
       </p:sp>
+      <p:pic>
+        <p:nvPicPr>
+          <p:cNvPr id="6" name="Picture 5">
+            <a:extLst>
+              <a:ext uri="{FF2B5EF4-FFF2-40B4-BE49-F238E27FC236}">
+                <a16:creationId xmlns:a16="http://schemas.microsoft.com/office/drawing/2014/main" id="{6F46317C-EC7E-FC3B-DE59-4C12354D5D9E}"/>
+              </a:ext>
+            </a:extLst>
+          </p:cNvPr>
+          <p:cNvPicPr>
+            <a:picLocks noChangeAspect="1"/>
+          </p:cNvPicPr>
+          <p:nvPr/>
+        </p:nvPicPr>
+        <p:blipFill>
+          <a:blip r:embed="rId3"/>
+          <a:stretch>
+            <a:fillRect/>
+          </a:stretch>
+        </p:blipFill>
+        <p:spPr>
+          <a:xfrm>
+            <a:off x="500165" y="1647430"/>
+            <a:ext cx="4606864" cy="3862076"/>
+          </a:xfrm>
+          <a:prstGeom prst="rect">
+            <a:avLst/>
+          </a:prstGeom>
+        </p:spPr>
+      </p:pic>
     </p:spTree>
   </p:cSld>
   <p:clrMapOvr>
@@ -15042,6 +15070,1551 @@
       </p:grpSpPr>
       <p:pic>
         <p:nvPicPr>
+          <p:cNvPr id="109" name="Picture 108"/>
+          <p:cNvPicPr/>
+          <p:nvPr/>
+        </p:nvPicPr>
+        <p:blipFill>
+          <a:blip r:embed="rId2"/>
+          <a:stretch/>
+        </p:blipFill>
+        <p:spPr>
+          <a:xfrm>
+            <a:off x="838080" y="1690200"/>
+            <a:ext cx="8138772" cy="3756871"/>
+          </a:xfrm>
+          <a:prstGeom prst="rect">
+            <a:avLst/>
+          </a:prstGeom>
+          <a:ln w="0">
+            <a:noFill/>
+          </a:ln>
+        </p:spPr>
+      </p:pic>
+      <p:sp>
+        <p:nvSpPr>
+          <p:cNvPr id="108" name="PlaceHolder 1"/>
+          <p:cNvSpPr>
+            <a:spLocks noGrp="1"/>
+          </p:cNvSpPr>
+          <p:nvPr>
+            <p:ph type="title"/>
+          </p:nvPr>
+        </p:nvSpPr>
+        <p:spPr>
+          <a:prstGeom prst="rect">
+            <a:avLst/>
+          </a:prstGeom>
+          <a:noFill/>
+          <a:ln w="0">
+            <a:noFill/>
+          </a:ln>
+        </p:spPr>
+        <p:txBody>
+          <a:bodyPr lIns="91440" tIns="45720" rIns="91440" bIns="45720" anchor="ctr">
+            <a:noAutofit/>
+          </a:bodyPr>
+          <a:lstStyle/>
+          <a:p>
+            <a:pPr indent="0" defTabSz="914400">
+              <a:lnSpc>
+                <a:spcPct val="90000"/>
+              </a:lnSpc>
+              <a:buNone/>
+            </a:pPr>
+            <a:r>
+              <a:rPr lang="en-US" dirty="0"/>
+              <a:t>Analysis for state Kerala</a:t>
+            </a:r>
+          </a:p>
+        </p:txBody>
+      </p:sp>
+      <p:sp>
+        <p:nvSpPr>
+          <p:cNvPr id="2" name="TextBox 1">
+            <a:extLst>
+              <a:ext uri="{FF2B5EF4-FFF2-40B4-BE49-F238E27FC236}">
+                <a16:creationId xmlns:a16="http://schemas.microsoft.com/office/drawing/2014/main" id="{732DC6C5-7403-14B8-F63F-9BA6A5759FCE}"/>
+              </a:ext>
+            </a:extLst>
+          </p:cNvPr>
+          <p:cNvSpPr txBox="1"/>
+          <p:nvPr/>
+        </p:nvSpPr>
+        <p:spPr>
+          <a:xfrm>
+            <a:off x="838079" y="5565058"/>
+            <a:ext cx="6496786" cy="646331"/>
+          </a:xfrm>
+          <a:prstGeom prst="rect">
+            <a:avLst/>
+          </a:prstGeom>
+          <a:noFill/>
+        </p:spPr>
+        <p:txBody>
+          <a:bodyPr wrap="square" rtlCol="0">
+            <a:spAutoFit/>
+          </a:bodyPr>
+          <a:lstStyle/>
+          <a:p>
+            <a:pPr marL="285750" indent="-285750">
+              <a:buFont typeface="Arial" panose="020B0604020202020204" pitchFamily="34" charset="0"/>
+              <a:buChar char="•"/>
+            </a:pPr>
+            <a:r>
+              <a:rPr lang="en-IN" dirty="0"/>
+              <a:t>88% kingdom is Animalia</a:t>
+            </a:r>
+          </a:p>
+          <a:p>
+            <a:pPr marL="285750" indent="-285750">
+              <a:buFont typeface="Arial" panose="020B0604020202020204" pitchFamily="34" charset="0"/>
+              <a:buChar char="•"/>
+            </a:pPr>
+            <a:r>
+              <a:rPr lang="en-IN" dirty="0"/>
+              <a:t>49% phylum is Arthropoda </a:t>
+            </a:r>
+          </a:p>
+        </p:txBody>
+      </p:sp>
+    </p:spTree>
+  </p:cSld>
+  <p:clrMapOvr>
+    <a:masterClrMapping/>
+  </p:clrMapOvr>
+</p:sld>
+</file>
+
+<file path=ppt/slides/slide15.xml><?xml version="1.0" encoding="utf-8"?>
+<p:sld xmlns:a="http://schemas.openxmlformats.org/drawingml/2006/main" xmlns:r="http://schemas.openxmlformats.org/officeDocument/2006/relationships" xmlns:p="http://schemas.openxmlformats.org/presentationml/2006/main">
+  <p:cSld>
+    <p:spTree>
+      <p:nvGrpSpPr>
+        <p:cNvPr id="1" name=""/>
+        <p:cNvGrpSpPr/>
+        <p:nvPr/>
+      </p:nvGrpSpPr>
+      <p:grpSpPr>
+        <a:xfrm>
+          <a:off x="0" y="0"/>
+          <a:ext cx="0" cy="0"/>
+          <a:chOff x="0" y="0"/>
+          <a:chExt cx="0" cy="0"/>
+        </a:xfrm>
+      </p:grpSpPr>
+      <p:pic>
+        <p:nvPicPr>
+          <p:cNvPr id="106" name="Picture 105"/>
+          <p:cNvPicPr/>
+          <p:nvPr/>
+        </p:nvPicPr>
+        <p:blipFill>
+          <a:blip r:embed="rId2"/>
+          <a:stretch/>
+        </p:blipFill>
+        <p:spPr>
+          <a:xfrm>
+            <a:off x="626349" y="1576620"/>
+            <a:ext cx="3704760" cy="3704760"/>
+          </a:xfrm>
+          <a:prstGeom prst="rect">
+            <a:avLst/>
+          </a:prstGeom>
+          <a:ln w="0">
+            <a:noFill/>
+          </a:ln>
+        </p:spPr>
+      </p:pic>
+      <p:sp>
+        <p:nvSpPr>
+          <p:cNvPr id="105" name="PlaceHolder 1"/>
+          <p:cNvSpPr>
+            <a:spLocks noGrp="1"/>
+          </p:cNvSpPr>
+          <p:nvPr>
+            <p:ph type="title"/>
+          </p:nvPr>
+        </p:nvSpPr>
+        <p:spPr>
+          <a:prstGeom prst="rect">
+            <a:avLst/>
+          </a:prstGeom>
+          <a:noFill/>
+          <a:ln w="0">
+            <a:noFill/>
+          </a:ln>
+        </p:spPr>
+        <p:txBody>
+          <a:bodyPr lIns="91440" tIns="45720" rIns="91440" bIns="45720" anchor="ctr">
+            <a:noAutofit/>
+          </a:bodyPr>
+          <a:lstStyle/>
+          <a:p>
+            <a:pPr indent="0" defTabSz="914400">
+              <a:lnSpc>
+                <a:spcPct val="90000"/>
+              </a:lnSpc>
+              <a:buNone/>
+            </a:pPr>
+            <a:r>
+              <a:rPr lang="en-US" dirty="0"/>
+              <a:t>Analysis for state Kerala</a:t>
+            </a:r>
+          </a:p>
+        </p:txBody>
+      </p:sp>
+      <p:pic>
+        <p:nvPicPr>
+          <p:cNvPr id="107" name="Picture 106"/>
+          <p:cNvPicPr/>
+          <p:nvPr/>
+        </p:nvPicPr>
+        <p:blipFill>
+          <a:blip r:embed="rId3"/>
+          <a:stretch/>
+        </p:blipFill>
+        <p:spPr>
+          <a:xfrm>
+            <a:off x="4884174" y="1690200"/>
+            <a:ext cx="4289322" cy="3704760"/>
+          </a:xfrm>
+          <a:prstGeom prst="rect">
+            <a:avLst/>
+          </a:prstGeom>
+          <a:ln w="0">
+            <a:noFill/>
+          </a:ln>
+        </p:spPr>
+      </p:pic>
+      <p:sp>
+        <p:nvSpPr>
+          <p:cNvPr id="2" name="TextBox 1">
+            <a:extLst>
+              <a:ext uri="{FF2B5EF4-FFF2-40B4-BE49-F238E27FC236}">
+                <a16:creationId xmlns:a16="http://schemas.microsoft.com/office/drawing/2014/main" id="{E709D0AF-3D77-B029-1787-184E836958CD}"/>
+              </a:ext>
+            </a:extLst>
+          </p:cNvPr>
+          <p:cNvSpPr txBox="1"/>
+          <p:nvPr/>
+        </p:nvSpPr>
+        <p:spPr>
+          <a:xfrm>
+            <a:off x="658761" y="5624052"/>
+            <a:ext cx="7157884" cy="646331"/>
+          </a:xfrm>
+          <a:prstGeom prst="rect">
+            <a:avLst/>
+          </a:prstGeom>
+          <a:noFill/>
+        </p:spPr>
+        <p:txBody>
+          <a:bodyPr wrap="square" rtlCol="0">
+            <a:spAutoFit/>
+          </a:bodyPr>
+          <a:lstStyle/>
+          <a:p>
+            <a:r>
+              <a:rPr lang="en-IN" dirty="0"/>
+              <a:t>From where in Kerala we get most of the observations?</a:t>
+            </a:r>
+          </a:p>
+          <a:p>
+            <a:r>
+              <a:rPr lang="en-IN" dirty="0"/>
+              <a:t>To answer that we can do clustering</a:t>
+            </a:r>
+          </a:p>
+        </p:txBody>
+      </p:sp>
+    </p:spTree>
+  </p:cSld>
+  <p:clrMapOvr>
+    <a:masterClrMapping/>
+  </p:clrMapOvr>
+</p:sld>
+</file>
+
+<file path=ppt/slides/slide16.xml><?xml version="1.0" encoding="utf-8"?>
+<p:sld xmlns:a="http://schemas.openxmlformats.org/drawingml/2006/main" xmlns:r="http://schemas.openxmlformats.org/officeDocument/2006/relationships" xmlns:p="http://schemas.openxmlformats.org/presentationml/2006/main">
+  <p:cSld>
+    <p:spTree>
+      <p:nvGrpSpPr>
+        <p:cNvPr id="1" name=""/>
+        <p:cNvGrpSpPr/>
+        <p:nvPr/>
+      </p:nvGrpSpPr>
+      <p:grpSpPr>
+        <a:xfrm>
+          <a:off x="0" y="0"/>
+          <a:ext cx="0" cy="0"/>
+          <a:chOff x="0" y="0"/>
+          <a:chExt cx="0" cy="0"/>
+        </a:xfrm>
+      </p:grpSpPr>
+      <p:pic>
+        <p:nvPicPr>
+          <p:cNvPr id="111" name="Picture 110"/>
+          <p:cNvPicPr/>
+          <p:nvPr/>
+        </p:nvPicPr>
+        <p:blipFill>
+          <a:blip r:embed="rId2"/>
+          <a:stretch/>
+        </p:blipFill>
+        <p:spPr>
+          <a:xfrm>
+            <a:off x="838080" y="1690200"/>
+            <a:ext cx="3704760" cy="3704760"/>
+          </a:xfrm>
+          <a:prstGeom prst="rect">
+            <a:avLst/>
+          </a:prstGeom>
+          <a:ln w="0">
+            <a:noFill/>
+          </a:ln>
+        </p:spPr>
+      </p:pic>
+      <p:sp>
+        <p:nvSpPr>
+          <p:cNvPr id="110" name="PlaceHolder 1"/>
+          <p:cNvSpPr>
+            <a:spLocks noGrp="1"/>
+          </p:cNvSpPr>
+          <p:nvPr>
+            <p:ph type="title"/>
+          </p:nvPr>
+        </p:nvSpPr>
+        <p:spPr>
+          <a:prstGeom prst="rect">
+            <a:avLst/>
+          </a:prstGeom>
+          <a:noFill/>
+          <a:ln w="0">
+            <a:noFill/>
+          </a:ln>
+        </p:spPr>
+        <p:txBody>
+          <a:bodyPr lIns="91440" tIns="45720" rIns="91440" bIns="45720" anchor="ctr">
+            <a:noAutofit/>
+          </a:bodyPr>
+          <a:lstStyle/>
+          <a:p>
+            <a:pPr indent="0" defTabSz="914400">
+              <a:lnSpc>
+                <a:spcPct val="90000"/>
+              </a:lnSpc>
+              <a:buNone/>
+            </a:pPr>
+            <a:r>
+              <a:rPr lang="en-US" dirty="0"/>
+              <a:t>Analysis for state Kerala</a:t>
+            </a:r>
+          </a:p>
+        </p:txBody>
+      </p:sp>
+      <p:sp>
+        <p:nvSpPr>
+          <p:cNvPr id="2" name="TextBox 1">
+            <a:extLst>
+              <a:ext uri="{FF2B5EF4-FFF2-40B4-BE49-F238E27FC236}">
+                <a16:creationId xmlns:a16="http://schemas.microsoft.com/office/drawing/2014/main" id="{00B69D75-5864-63F5-E2F2-036950D69C23}"/>
+              </a:ext>
+            </a:extLst>
+          </p:cNvPr>
+          <p:cNvSpPr txBox="1"/>
+          <p:nvPr/>
+        </p:nvSpPr>
+        <p:spPr>
+          <a:xfrm>
+            <a:off x="658761" y="5624052"/>
+            <a:ext cx="7157884" cy="646331"/>
+          </a:xfrm>
+          <a:prstGeom prst="rect">
+            <a:avLst/>
+          </a:prstGeom>
+          <a:noFill/>
+        </p:spPr>
+        <p:txBody>
+          <a:bodyPr wrap="square" rtlCol="0">
+            <a:spAutoFit/>
+          </a:bodyPr>
+          <a:lstStyle/>
+          <a:p>
+            <a:r>
+              <a:rPr lang="en-IN" dirty="0"/>
+              <a:t>From where in Kerala we get most of the observations?</a:t>
+            </a:r>
+          </a:p>
+          <a:p>
+            <a:r>
+              <a:rPr lang="en-US" sz="1800" b="0" strike="noStrike" spc="-1" dirty="0">
+                <a:solidFill>
+                  <a:schemeClr val="dk1"/>
+                </a:solidFill>
+                <a:latin typeface="Calibri"/>
+              </a:rPr>
+              <a:t>Kochi and Kannur</a:t>
+            </a:r>
+            <a:endParaRPr lang="en-IN" dirty="0"/>
+          </a:p>
+        </p:txBody>
+      </p:sp>
+    </p:spTree>
+  </p:cSld>
+  <p:clrMapOvr>
+    <a:masterClrMapping/>
+  </p:clrMapOvr>
+</p:sld>
+</file>
+
+<file path=ppt/slides/slide17.xml><?xml version="1.0" encoding="utf-8"?>
+<p:sld xmlns:a="http://schemas.openxmlformats.org/drawingml/2006/main" xmlns:r="http://schemas.openxmlformats.org/officeDocument/2006/relationships" xmlns:p="http://schemas.openxmlformats.org/presentationml/2006/main">
+  <p:cSld>
+    <p:spTree>
+      <p:nvGrpSpPr>
+        <p:cNvPr id="1" name=""/>
+        <p:cNvGrpSpPr/>
+        <p:nvPr/>
+      </p:nvGrpSpPr>
+      <p:grpSpPr>
+        <a:xfrm>
+          <a:off x="0" y="0"/>
+          <a:ext cx="0" cy="0"/>
+          <a:chOff x="0" y="0"/>
+          <a:chExt cx="0" cy="0"/>
+        </a:xfrm>
+      </p:grpSpPr>
+      <p:sp>
+        <p:nvSpPr>
+          <p:cNvPr id="113" name="PlaceHolder 2"/>
+          <p:cNvSpPr>
+            <a:spLocks noGrp="1"/>
+          </p:cNvSpPr>
+          <p:nvPr>
+            <p:ph/>
+          </p:nvPr>
+        </p:nvSpPr>
+        <p:spPr>
+          <a:xfrm>
+            <a:off x="838080" y="1825560"/>
+            <a:ext cx="8669714" cy="4350960"/>
+          </a:xfrm>
+          <a:prstGeom prst="rect">
+            <a:avLst/>
+          </a:prstGeom>
+          <a:noFill/>
+          <a:ln w="0">
+            <a:noFill/>
+          </a:ln>
+        </p:spPr>
+        <p:txBody>
+          <a:bodyPr lIns="91440" tIns="45720" rIns="91440" bIns="45720" anchor="t">
+            <a:noAutofit/>
+          </a:bodyPr>
+          <a:lstStyle/>
+          <a:p>
+            <a:pPr marL="228600" indent="-228600" defTabSz="914400">
+              <a:lnSpc>
+                <a:spcPct val="90000"/>
+              </a:lnSpc>
+              <a:spcBef>
+                <a:spcPts val="1191"/>
+              </a:spcBef>
+              <a:spcAft>
+                <a:spcPts val="992"/>
+              </a:spcAft>
+              <a:buClr>
+                <a:srgbClr val="000000"/>
+              </a:buClr>
+              <a:buFont typeface="Arial"/>
+              <a:buChar char="•"/>
+            </a:pPr>
+            <a:r>
+              <a:rPr lang="en-US" sz="2800" b="0" strike="noStrike" spc="-1" dirty="0">
+                <a:solidFill>
+                  <a:schemeClr val="dk1"/>
+                </a:solidFill>
+                <a:latin typeface="Calibri"/>
+              </a:rPr>
+              <a:t>Discover of species in each year growths exponentially with higher rate than in </a:t>
+            </a:r>
+            <a:r>
+              <a:rPr lang="en-US" sz="2800" spc="-1" dirty="0">
+                <a:solidFill>
+                  <a:schemeClr val="dk1"/>
+                </a:solidFill>
+                <a:latin typeface="Calibri"/>
+              </a:rPr>
+              <a:t>M</a:t>
+            </a:r>
+            <a:r>
+              <a:rPr lang="en-US" sz="2800" b="0" strike="noStrike" spc="-1" dirty="0">
+                <a:solidFill>
+                  <a:schemeClr val="dk1"/>
+                </a:solidFill>
+                <a:latin typeface="Calibri"/>
+              </a:rPr>
+              <a:t>aharashtra.</a:t>
+            </a:r>
+          </a:p>
+          <a:p>
+            <a:pPr marL="228600" indent="-228600" defTabSz="914400">
+              <a:lnSpc>
+                <a:spcPct val="90000"/>
+              </a:lnSpc>
+              <a:spcBef>
+                <a:spcPts val="1191"/>
+              </a:spcBef>
+              <a:spcAft>
+                <a:spcPts val="992"/>
+              </a:spcAft>
+              <a:buClr>
+                <a:srgbClr val="000000"/>
+              </a:buClr>
+              <a:buFont typeface="Arial"/>
+              <a:buChar char="•"/>
+            </a:pPr>
+            <a:r>
+              <a:rPr lang="en-US" sz="2800" spc="-1" dirty="0">
+                <a:solidFill>
+                  <a:schemeClr val="dk1"/>
+                </a:solidFill>
+                <a:latin typeface="Calibri"/>
+              </a:rPr>
+              <a:t>M</a:t>
+            </a:r>
+            <a:r>
+              <a:rPr lang="en-US" sz="2800" b="0" strike="noStrike" spc="-1" dirty="0">
+                <a:solidFill>
+                  <a:schemeClr val="dk1"/>
+                </a:solidFill>
+                <a:latin typeface="Calibri"/>
+              </a:rPr>
+              <a:t>ostly found kingdom was Animalia and 50% phylum is </a:t>
+            </a:r>
+            <a:r>
+              <a:rPr lang="en-US" sz="2800" spc="-1" dirty="0">
+                <a:solidFill>
+                  <a:schemeClr val="dk1"/>
+                </a:solidFill>
+                <a:latin typeface="Calibri"/>
+              </a:rPr>
+              <a:t>A</a:t>
+            </a:r>
+            <a:r>
+              <a:rPr lang="en-US" sz="2800" b="0" strike="noStrike" spc="-1" dirty="0">
+                <a:solidFill>
+                  <a:schemeClr val="dk1"/>
+                </a:solidFill>
+                <a:latin typeface="Calibri"/>
+              </a:rPr>
+              <a:t>rthropoda.</a:t>
+            </a:r>
+          </a:p>
+          <a:p>
+            <a:pPr marL="228600" indent="-228600" defTabSz="914400">
+              <a:lnSpc>
+                <a:spcPct val="90000"/>
+              </a:lnSpc>
+              <a:spcBef>
+                <a:spcPts val="1191"/>
+              </a:spcBef>
+              <a:spcAft>
+                <a:spcPts val="992"/>
+              </a:spcAft>
+              <a:buClr>
+                <a:srgbClr val="000000"/>
+              </a:buClr>
+              <a:buFont typeface="Arial"/>
+              <a:buChar char="•"/>
+            </a:pPr>
+            <a:r>
+              <a:rPr lang="en-US" sz="2800" b="0" strike="noStrike" spc="-1" dirty="0">
+                <a:solidFill>
+                  <a:schemeClr val="dk1"/>
+                </a:solidFill>
+                <a:latin typeface="Calibri"/>
+              </a:rPr>
+              <a:t>Using clustering to find the cluster which gives the dense region where the discoveries are more, found out that cities are Kochi and Kannur.</a:t>
+            </a:r>
+          </a:p>
+        </p:txBody>
+      </p:sp>
+      <p:sp>
+        <p:nvSpPr>
+          <p:cNvPr id="112" name="PlaceHolder 1"/>
+          <p:cNvSpPr>
+            <a:spLocks noGrp="1"/>
+          </p:cNvSpPr>
+          <p:nvPr>
+            <p:ph type="title"/>
+          </p:nvPr>
+        </p:nvSpPr>
+        <p:spPr>
+          <a:prstGeom prst="rect">
+            <a:avLst/>
+          </a:prstGeom>
+          <a:noFill/>
+          <a:ln w="0">
+            <a:noFill/>
+          </a:ln>
+        </p:spPr>
+        <p:txBody>
+          <a:bodyPr lIns="91440" tIns="45720" rIns="91440" bIns="45720" anchor="ctr">
+            <a:noAutofit/>
+          </a:bodyPr>
+          <a:lstStyle/>
+          <a:p>
+            <a:pPr indent="0" defTabSz="914400">
+              <a:lnSpc>
+                <a:spcPct val="90000"/>
+              </a:lnSpc>
+              <a:buNone/>
+            </a:pPr>
+            <a:r>
+              <a:rPr lang="en-US" dirty="0"/>
+              <a:t>Analysis for state Kerala</a:t>
+            </a:r>
+          </a:p>
+        </p:txBody>
+      </p:sp>
+    </p:spTree>
+  </p:cSld>
+  <p:clrMapOvr>
+    <a:masterClrMapping/>
+  </p:clrMapOvr>
+</p:sld>
+</file>
+
+<file path=ppt/slides/slide18.xml><?xml version="1.0" encoding="utf-8"?>
+<p:sld xmlns:a="http://schemas.openxmlformats.org/drawingml/2006/main" xmlns:r="http://schemas.openxmlformats.org/officeDocument/2006/relationships" xmlns:p="http://schemas.openxmlformats.org/presentationml/2006/main">
+  <p:cSld>
+    <p:spTree>
+      <p:nvGrpSpPr>
+        <p:cNvPr id="1" name=""/>
+        <p:cNvGrpSpPr/>
+        <p:nvPr/>
+      </p:nvGrpSpPr>
+      <p:grpSpPr>
+        <a:xfrm>
+          <a:off x="0" y="0"/>
+          <a:ext cx="0" cy="0"/>
+          <a:chOff x="0" y="0"/>
+          <a:chExt cx="0" cy="0"/>
+        </a:xfrm>
+      </p:grpSpPr>
+      <p:pic>
+        <p:nvPicPr>
+          <p:cNvPr id="118" name="Picture 117"/>
+          <p:cNvPicPr/>
+          <p:nvPr/>
+        </p:nvPicPr>
+        <p:blipFill>
+          <a:blip r:embed="rId2"/>
+          <a:stretch/>
+        </p:blipFill>
+        <p:spPr>
+          <a:xfrm>
+            <a:off x="838079" y="1797951"/>
+            <a:ext cx="8256759" cy="3708113"/>
+          </a:xfrm>
+          <a:prstGeom prst="rect">
+            <a:avLst/>
+          </a:prstGeom>
+          <a:ln w="0">
+            <a:noFill/>
+          </a:ln>
+        </p:spPr>
+      </p:pic>
+      <p:sp>
+        <p:nvSpPr>
+          <p:cNvPr id="117" name="PlaceHolder 1"/>
+          <p:cNvSpPr>
+            <a:spLocks noGrp="1"/>
+          </p:cNvSpPr>
+          <p:nvPr>
+            <p:ph type="title"/>
+          </p:nvPr>
+        </p:nvSpPr>
+        <p:spPr>
+          <a:prstGeom prst="rect">
+            <a:avLst/>
+          </a:prstGeom>
+          <a:noFill/>
+          <a:ln w="0">
+            <a:noFill/>
+          </a:ln>
+        </p:spPr>
+        <p:txBody>
+          <a:bodyPr lIns="91440" tIns="45720" rIns="91440" bIns="45720" anchor="ctr">
+            <a:noAutofit/>
+          </a:bodyPr>
+          <a:lstStyle/>
+          <a:p>
+            <a:pPr indent="0" defTabSz="914400">
+              <a:lnSpc>
+                <a:spcPct val="90000"/>
+              </a:lnSpc>
+              <a:buNone/>
+            </a:pPr>
+            <a:r>
+              <a:rPr lang="en-US" dirty="0"/>
+              <a:t>Analysis for state Karnataka</a:t>
+            </a:r>
+          </a:p>
+        </p:txBody>
+      </p:sp>
+      <p:sp>
+        <p:nvSpPr>
+          <p:cNvPr id="2" name="TextBox 1">
+            <a:extLst>
+              <a:ext uri="{FF2B5EF4-FFF2-40B4-BE49-F238E27FC236}">
+                <a16:creationId xmlns:a16="http://schemas.microsoft.com/office/drawing/2014/main" id="{422C026D-3666-9D7A-AA34-E6237C15191B}"/>
+              </a:ext>
+            </a:extLst>
+          </p:cNvPr>
+          <p:cNvSpPr txBox="1"/>
+          <p:nvPr/>
+        </p:nvSpPr>
+        <p:spPr>
+          <a:xfrm>
+            <a:off x="838079" y="5565058"/>
+            <a:ext cx="6496786" cy="646331"/>
+          </a:xfrm>
+          <a:prstGeom prst="rect">
+            <a:avLst/>
+          </a:prstGeom>
+          <a:noFill/>
+        </p:spPr>
+        <p:txBody>
+          <a:bodyPr wrap="square" rtlCol="0">
+            <a:spAutoFit/>
+          </a:bodyPr>
+          <a:lstStyle/>
+          <a:p>
+            <a:pPr marL="285750" indent="-285750">
+              <a:buFont typeface="Arial" panose="020B0604020202020204" pitchFamily="34" charset="0"/>
+              <a:buChar char="•"/>
+            </a:pPr>
+            <a:r>
+              <a:rPr lang="en-IN" dirty="0"/>
+              <a:t>86% kingdom is Animalia</a:t>
+            </a:r>
+          </a:p>
+          <a:p>
+            <a:pPr marL="285750" indent="-285750">
+              <a:buFont typeface="Arial" panose="020B0604020202020204" pitchFamily="34" charset="0"/>
+              <a:buChar char="•"/>
+            </a:pPr>
+            <a:r>
+              <a:rPr lang="en-IN" dirty="0"/>
+              <a:t>51% phylum is Chordata </a:t>
+            </a:r>
+          </a:p>
+        </p:txBody>
+      </p:sp>
+    </p:spTree>
+  </p:cSld>
+  <p:clrMapOvr>
+    <a:masterClrMapping/>
+  </p:clrMapOvr>
+</p:sld>
+</file>
+
+<file path=ppt/slides/slide19.xml><?xml version="1.0" encoding="utf-8"?>
+<p:sld xmlns:a="http://schemas.openxmlformats.org/drawingml/2006/main" xmlns:r="http://schemas.openxmlformats.org/officeDocument/2006/relationships" xmlns:p="http://schemas.openxmlformats.org/presentationml/2006/main">
+  <p:cSld>
+    <p:spTree>
+      <p:nvGrpSpPr>
+        <p:cNvPr id="1" name=""/>
+        <p:cNvGrpSpPr/>
+        <p:nvPr/>
+      </p:nvGrpSpPr>
+      <p:grpSpPr>
+        <a:xfrm>
+          <a:off x="0" y="0"/>
+          <a:ext cx="0" cy="0"/>
+          <a:chOff x="0" y="0"/>
+          <a:chExt cx="0" cy="0"/>
+        </a:xfrm>
+      </p:grpSpPr>
+      <p:pic>
+        <p:nvPicPr>
+          <p:cNvPr id="115" name="Picture 114"/>
+          <p:cNvPicPr/>
+          <p:nvPr/>
+        </p:nvPicPr>
+        <p:blipFill>
+          <a:blip r:embed="rId2"/>
+          <a:stretch/>
+        </p:blipFill>
+        <p:spPr>
+          <a:xfrm>
+            <a:off x="838080" y="1690200"/>
+            <a:ext cx="3704760" cy="3704760"/>
+          </a:xfrm>
+          <a:prstGeom prst="rect">
+            <a:avLst/>
+          </a:prstGeom>
+          <a:ln w="0">
+            <a:noFill/>
+          </a:ln>
+        </p:spPr>
+      </p:pic>
+      <p:sp>
+        <p:nvSpPr>
+          <p:cNvPr id="114" name="PlaceHolder 1"/>
+          <p:cNvSpPr>
+            <a:spLocks noGrp="1"/>
+          </p:cNvSpPr>
+          <p:nvPr>
+            <p:ph type="title"/>
+          </p:nvPr>
+        </p:nvSpPr>
+        <p:spPr>
+          <a:prstGeom prst="rect">
+            <a:avLst/>
+          </a:prstGeom>
+          <a:noFill/>
+          <a:ln w="0">
+            <a:noFill/>
+          </a:ln>
+        </p:spPr>
+        <p:txBody>
+          <a:bodyPr lIns="91440" tIns="45720" rIns="91440" bIns="45720" anchor="ctr">
+            <a:noAutofit/>
+          </a:bodyPr>
+          <a:lstStyle/>
+          <a:p>
+            <a:pPr indent="0" defTabSz="914400">
+              <a:lnSpc>
+                <a:spcPct val="90000"/>
+              </a:lnSpc>
+              <a:buNone/>
+            </a:pPr>
+            <a:r>
+              <a:rPr lang="en-US" dirty="0"/>
+              <a:t>Analysis for state Karnataka</a:t>
+            </a:r>
+          </a:p>
+        </p:txBody>
+      </p:sp>
+      <p:pic>
+        <p:nvPicPr>
+          <p:cNvPr id="116" name="Picture 115"/>
+          <p:cNvPicPr/>
+          <p:nvPr/>
+        </p:nvPicPr>
+        <p:blipFill>
+          <a:blip r:embed="rId3"/>
+          <a:stretch/>
+        </p:blipFill>
+        <p:spPr>
+          <a:xfrm>
+            <a:off x="5064439" y="1690200"/>
+            <a:ext cx="4158220" cy="3704760"/>
+          </a:xfrm>
+          <a:prstGeom prst="rect">
+            <a:avLst/>
+          </a:prstGeom>
+          <a:ln w="0">
+            <a:noFill/>
+          </a:ln>
+        </p:spPr>
+      </p:pic>
+      <p:sp>
+        <p:nvSpPr>
+          <p:cNvPr id="2" name="TextBox 1">
+            <a:extLst>
+              <a:ext uri="{FF2B5EF4-FFF2-40B4-BE49-F238E27FC236}">
+                <a16:creationId xmlns:a16="http://schemas.microsoft.com/office/drawing/2014/main" id="{E3F9FE03-9DCF-9F35-5E08-F5CA008E9C7E}"/>
+              </a:ext>
+            </a:extLst>
+          </p:cNvPr>
+          <p:cNvSpPr txBox="1"/>
+          <p:nvPr/>
+        </p:nvSpPr>
+        <p:spPr>
+          <a:xfrm>
+            <a:off x="658761" y="5624052"/>
+            <a:ext cx="7157884" cy="646331"/>
+          </a:xfrm>
+          <a:prstGeom prst="rect">
+            <a:avLst/>
+          </a:prstGeom>
+          <a:noFill/>
+        </p:spPr>
+        <p:txBody>
+          <a:bodyPr wrap="square" rtlCol="0">
+            <a:spAutoFit/>
+          </a:bodyPr>
+          <a:lstStyle/>
+          <a:p>
+            <a:r>
+              <a:rPr lang="en-IN" dirty="0"/>
+              <a:t>From where in Karnataka we get most of the observations?</a:t>
+            </a:r>
+          </a:p>
+          <a:p>
+            <a:r>
+              <a:rPr lang="en-IN" dirty="0"/>
+              <a:t>To answer that we can do clustering</a:t>
+            </a:r>
+          </a:p>
+        </p:txBody>
+      </p:sp>
+    </p:spTree>
+  </p:cSld>
+  <p:clrMapOvr>
+    <a:masterClrMapping/>
+  </p:clrMapOvr>
+</p:sld>
+</file>
+
+<file path=ppt/slides/slide2.xml><?xml version="1.0" encoding="utf-8"?>
+<p:sld xmlns:a="http://schemas.openxmlformats.org/drawingml/2006/main" xmlns:r="http://schemas.openxmlformats.org/officeDocument/2006/relationships" xmlns:p="http://schemas.openxmlformats.org/presentationml/2006/main">
+  <p:cSld>
+    <p:spTree>
+      <p:nvGrpSpPr>
+        <p:cNvPr id="1" name=""/>
+        <p:cNvGrpSpPr/>
+        <p:nvPr/>
+      </p:nvGrpSpPr>
+      <p:grpSpPr>
+        <a:xfrm>
+          <a:off x="0" y="0"/>
+          <a:ext cx="0" cy="0"/>
+          <a:chOff x="0" y="0"/>
+          <a:chExt cx="0" cy="0"/>
+        </a:xfrm>
+      </p:grpSpPr>
+      <p:sp>
+        <p:nvSpPr>
+          <p:cNvPr id="68" name="PlaceHolder 2"/>
+          <p:cNvSpPr>
+            <a:spLocks noGrp="1"/>
+          </p:cNvSpPr>
+          <p:nvPr>
+            <p:ph/>
+          </p:nvPr>
+        </p:nvSpPr>
+        <p:spPr>
+          <a:xfrm>
+            <a:off x="838080" y="1497420"/>
+            <a:ext cx="8512397" cy="3863160"/>
+          </a:xfrm>
+          <a:prstGeom prst="rect">
+            <a:avLst/>
+          </a:prstGeom>
+          <a:noFill/>
+          <a:ln w="0">
+            <a:noFill/>
+          </a:ln>
+        </p:spPr>
+        <p:txBody>
+          <a:bodyPr lIns="0" tIns="0" rIns="0" bIns="0" anchor="t">
+            <a:noAutofit/>
+          </a:bodyPr>
+          <a:lstStyle/>
+          <a:p>
+            <a:pPr marL="228600" indent="-228600" defTabSz="914400">
+              <a:lnSpc>
+                <a:spcPct val="90000"/>
+              </a:lnSpc>
+              <a:spcBef>
+                <a:spcPts val="1191"/>
+              </a:spcBef>
+              <a:spcAft>
+                <a:spcPts val="992"/>
+              </a:spcAft>
+              <a:buClr>
+                <a:srgbClr val="000000"/>
+              </a:buClr>
+              <a:buFont typeface="Arial"/>
+              <a:buChar char="•"/>
+            </a:pPr>
+            <a:r>
+              <a:rPr lang="en-US" sz="2200" b="0" strike="noStrike" spc="-1" dirty="0">
+                <a:solidFill>
+                  <a:schemeClr val="dk1"/>
+                </a:solidFill>
+                <a:latin typeface="Calibri"/>
+              </a:rPr>
+              <a:t>Contains 50 Columns/variables and 1,00,000 data points/observations</a:t>
+            </a:r>
+            <a:endParaRPr lang="en-US" sz="2200" b="0" strike="noStrike" spc="-1" dirty="0">
+              <a:solidFill>
+                <a:schemeClr val="dk1"/>
+              </a:solidFill>
+              <a:latin typeface="Calibri"/>
+              <a:ea typeface="Noto Sans CJK SC"/>
+            </a:endParaRPr>
+          </a:p>
+          <a:p>
+            <a:pPr marL="228600" indent="-228600" defTabSz="914400">
+              <a:lnSpc>
+                <a:spcPct val="90000"/>
+              </a:lnSpc>
+              <a:spcBef>
+                <a:spcPts val="1191"/>
+              </a:spcBef>
+              <a:spcAft>
+                <a:spcPts val="992"/>
+              </a:spcAft>
+              <a:buClr>
+                <a:srgbClr val="000000"/>
+              </a:buClr>
+              <a:buFont typeface="Arial"/>
+              <a:buChar char="•"/>
+            </a:pPr>
+            <a:r>
+              <a:rPr lang="en-US" sz="2200" b="0" strike="noStrike" spc="-1" dirty="0">
+                <a:solidFill>
+                  <a:schemeClr val="dk1"/>
+                </a:solidFill>
+                <a:latin typeface="Calibri"/>
+              </a:rPr>
+              <a:t>Containing various fields related to species identification, taxonomy, and metadata on the observation process.</a:t>
+            </a:r>
+            <a:endParaRPr lang="en-US" sz="2200" b="0" strike="noStrike" spc="-1" dirty="0">
+              <a:solidFill>
+                <a:schemeClr val="dk1"/>
+              </a:solidFill>
+              <a:latin typeface="Calibri"/>
+              <a:ea typeface="Noto Sans CJK SC"/>
+            </a:endParaRPr>
+          </a:p>
+          <a:p>
+            <a:pPr marL="228600" indent="-228600" defTabSz="914400">
+              <a:lnSpc>
+                <a:spcPct val="90000"/>
+              </a:lnSpc>
+              <a:spcBef>
+                <a:spcPts val="1191"/>
+              </a:spcBef>
+              <a:spcAft>
+                <a:spcPts val="992"/>
+              </a:spcAft>
+              <a:buClr>
+                <a:srgbClr val="000000"/>
+              </a:buClr>
+              <a:buFont typeface="Arial"/>
+              <a:buChar char="•"/>
+            </a:pPr>
+            <a:r>
+              <a:rPr lang="en-US" sz="2200" b="0" strike="noStrike" spc="-1" dirty="0">
+                <a:solidFill>
+                  <a:schemeClr val="dk1"/>
+                </a:solidFill>
+                <a:latin typeface="Calibri"/>
+              </a:rPr>
+              <a:t>kingdom, phylum, class, order, family, genus, species and taxonomic classification of the observed organism</a:t>
+            </a:r>
+            <a:endParaRPr lang="en-US" sz="2200" b="0" strike="noStrike" spc="-1" dirty="0">
+              <a:solidFill>
+                <a:schemeClr val="dk1"/>
+              </a:solidFill>
+              <a:latin typeface="Calibri"/>
+              <a:ea typeface="Noto Sans CJK SC"/>
+            </a:endParaRPr>
+          </a:p>
+          <a:p>
+            <a:pPr marL="228600" indent="-228600" defTabSz="914400">
+              <a:lnSpc>
+                <a:spcPct val="90000"/>
+              </a:lnSpc>
+              <a:spcBef>
+                <a:spcPts val="1191"/>
+              </a:spcBef>
+              <a:spcAft>
+                <a:spcPts val="992"/>
+              </a:spcAft>
+              <a:buClr>
+                <a:srgbClr val="000000"/>
+              </a:buClr>
+              <a:buFont typeface="Arial"/>
+              <a:buChar char="•"/>
+            </a:pPr>
+            <a:r>
+              <a:rPr lang="en-US" sz="2200" b="0" strike="noStrike" spc="-1" dirty="0" err="1">
+                <a:solidFill>
+                  <a:schemeClr val="dk1"/>
+                </a:solidFill>
+                <a:latin typeface="Calibri"/>
+                <a:ea typeface="Noto Sans CJK SC"/>
+              </a:rPr>
+              <a:t>decimalLatitude</a:t>
+            </a:r>
+            <a:r>
+              <a:rPr lang="en-US" sz="2200" b="0" strike="noStrike" spc="-1" dirty="0">
+                <a:solidFill>
+                  <a:schemeClr val="dk1"/>
+                </a:solidFill>
+                <a:latin typeface="Calibri"/>
+                <a:ea typeface="Noto Sans CJK SC"/>
+              </a:rPr>
+              <a:t> and </a:t>
+            </a:r>
+            <a:r>
+              <a:rPr lang="en-US" sz="2200" b="0" strike="noStrike" spc="-1" dirty="0" err="1">
+                <a:solidFill>
+                  <a:schemeClr val="dk1"/>
+                </a:solidFill>
+                <a:latin typeface="Calibri"/>
+                <a:ea typeface="Noto Sans CJK SC"/>
+              </a:rPr>
+              <a:t>decimalLongitude</a:t>
+            </a:r>
+            <a:r>
+              <a:rPr lang="en-US" sz="2200" b="0" strike="noStrike" spc="-1" dirty="0">
+                <a:solidFill>
+                  <a:schemeClr val="dk1"/>
+                </a:solidFill>
+                <a:latin typeface="Calibri"/>
+                <a:ea typeface="Noto Sans CJK SC"/>
+              </a:rPr>
+              <a:t> provides precise geographic coordinates (latitude and longitude) for each observation, allowing for spatial analysis.</a:t>
+            </a:r>
+          </a:p>
+          <a:p>
+            <a:pPr marL="228600" indent="-228600" defTabSz="914400">
+              <a:lnSpc>
+                <a:spcPct val="90000"/>
+              </a:lnSpc>
+              <a:spcBef>
+                <a:spcPts val="1191"/>
+              </a:spcBef>
+              <a:spcAft>
+                <a:spcPts val="992"/>
+              </a:spcAft>
+              <a:buClr>
+                <a:srgbClr val="000000"/>
+              </a:buClr>
+              <a:buFont typeface="Arial"/>
+              <a:buChar char="•"/>
+            </a:pPr>
+            <a:r>
+              <a:rPr lang="en-US" sz="2200" b="0" strike="noStrike" spc="-1" dirty="0">
+                <a:solidFill>
+                  <a:schemeClr val="dk1"/>
+                </a:solidFill>
+                <a:latin typeface="Calibri"/>
+                <a:ea typeface="Noto Sans CJK SC"/>
+              </a:rPr>
+              <a:t>locality and </a:t>
+            </a:r>
+            <a:r>
+              <a:rPr lang="en-US" sz="2200" b="0" strike="noStrike" spc="-1" dirty="0" err="1">
+                <a:solidFill>
+                  <a:schemeClr val="dk1"/>
+                </a:solidFill>
+                <a:latin typeface="Calibri"/>
+                <a:ea typeface="Noto Sans CJK SC"/>
+              </a:rPr>
+              <a:t>stateProvince</a:t>
+            </a:r>
+            <a:r>
+              <a:rPr lang="en-US" sz="2200" b="0" strike="noStrike" spc="-1" dirty="0">
+                <a:solidFill>
+                  <a:schemeClr val="dk1"/>
+                </a:solidFill>
+                <a:latin typeface="Calibri"/>
+                <a:ea typeface="Noto Sans CJK SC"/>
+              </a:rPr>
+              <a:t>  provides additional geographic context, such as the specific locality or province where the observation occurred.</a:t>
+            </a:r>
+            <a:endParaRPr lang="en-US" sz="2200" b="0" strike="noStrike" spc="-1" dirty="0">
+              <a:solidFill>
+                <a:schemeClr val="dk1"/>
+              </a:solidFill>
+              <a:latin typeface="Calibri"/>
+            </a:endParaRPr>
+          </a:p>
+        </p:txBody>
+      </p:sp>
+      <p:sp>
+        <p:nvSpPr>
+          <p:cNvPr id="67" name="PlaceHolder 1"/>
+          <p:cNvSpPr>
+            <a:spLocks noGrp="1"/>
+          </p:cNvSpPr>
+          <p:nvPr>
+            <p:ph type="title"/>
+          </p:nvPr>
+        </p:nvSpPr>
+        <p:spPr>
+          <a:prstGeom prst="rect">
+            <a:avLst/>
+          </a:prstGeom>
+          <a:noFill/>
+          <a:ln w="0">
+            <a:noFill/>
+          </a:ln>
+        </p:spPr>
+        <p:txBody>
+          <a:bodyPr lIns="91440" tIns="45720" rIns="91440" bIns="45720" anchor="ctr">
+            <a:noAutofit/>
+          </a:bodyPr>
+          <a:lstStyle/>
+          <a:p>
+            <a:pPr indent="0" defTabSz="914400">
+              <a:lnSpc>
+                <a:spcPct val="90000"/>
+              </a:lnSpc>
+              <a:buNone/>
+            </a:pPr>
+            <a:r>
+              <a:rPr lang="en-US" dirty="0"/>
+              <a:t>About Dataset</a:t>
+            </a:r>
+          </a:p>
+        </p:txBody>
+      </p:sp>
+    </p:spTree>
+  </p:cSld>
+  <p:clrMapOvr>
+    <a:masterClrMapping/>
+  </p:clrMapOvr>
+</p:sld>
+</file>
+
+<file path=ppt/slides/slide20.xml><?xml version="1.0" encoding="utf-8"?>
+<p:sld xmlns:a="http://schemas.openxmlformats.org/drawingml/2006/main" xmlns:r="http://schemas.openxmlformats.org/officeDocument/2006/relationships" xmlns:p="http://schemas.openxmlformats.org/presentationml/2006/main">
+  <p:cSld>
+    <p:spTree>
+      <p:nvGrpSpPr>
+        <p:cNvPr id="1" name=""/>
+        <p:cNvGrpSpPr/>
+        <p:nvPr/>
+      </p:nvGrpSpPr>
+      <p:grpSpPr>
+        <a:xfrm>
+          <a:off x="0" y="0"/>
+          <a:ext cx="0" cy="0"/>
+          <a:chOff x="0" y="0"/>
+          <a:chExt cx="0" cy="0"/>
+        </a:xfrm>
+      </p:grpSpPr>
+      <p:pic>
+        <p:nvPicPr>
+          <p:cNvPr id="120" name="Picture 119"/>
+          <p:cNvPicPr/>
+          <p:nvPr/>
+        </p:nvPicPr>
+        <p:blipFill>
+          <a:blip r:embed="rId2"/>
+          <a:stretch/>
+        </p:blipFill>
+        <p:spPr>
+          <a:xfrm>
+            <a:off x="838080" y="1690200"/>
+            <a:ext cx="3704760" cy="3704760"/>
+          </a:xfrm>
+          <a:prstGeom prst="rect">
+            <a:avLst/>
+          </a:prstGeom>
+          <a:ln w="0">
+            <a:noFill/>
+          </a:ln>
+        </p:spPr>
+      </p:pic>
+      <p:sp>
+        <p:nvSpPr>
+          <p:cNvPr id="119" name="PlaceHolder 1"/>
+          <p:cNvSpPr>
+            <a:spLocks noGrp="1"/>
+          </p:cNvSpPr>
+          <p:nvPr>
+            <p:ph type="title"/>
+          </p:nvPr>
+        </p:nvSpPr>
+        <p:spPr>
+          <a:prstGeom prst="rect">
+            <a:avLst/>
+          </a:prstGeom>
+          <a:noFill/>
+          <a:ln w="0">
+            <a:noFill/>
+          </a:ln>
+        </p:spPr>
+        <p:txBody>
+          <a:bodyPr lIns="91440" tIns="45720" rIns="91440" bIns="45720" anchor="ctr">
+            <a:noAutofit/>
+          </a:bodyPr>
+          <a:lstStyle/>
+          <a:p>
+            <a:pPr indent="0" defTabSz="914400">
+              <a:lnSpc>
+                <a:spcPct val="90000"/>
+              </a:lnSpc>
+              <a:buNone/>
+            </a:pPr>
+            <a:r>
+              <a:rPr lang="en-US" dirty="0"/>
+              <a:t>Analysis for state Karnataka</a:t>
+            </a:r>
+          </a:p>
+        </p:txBody>
+      </p:sp>
+      <p:sp>
+        <p:nvSpPr>
+          <p:cNvPr id="4" name="TextBox 3">
+            <a:extLst>
+              <a:ext uri="{FF2B5EF4-FFF2-40B4-BE49-F238E27FC236}">
+                <a16:creationId xmlns:a16="http://schemas.microsoft.com/office/drawing/2014/main" id="{825A0DD0-8442-70BD-2451-67B3B233108A}"/>
+              </a:ext>
+            </a:extLst>
+          </p:cNvPr>
+          <p:cNvSpPr txBox="1"/>
+          <p:nvPr/>
+        </p:nvSpPr>
+        <p:spPr>
+          <a:xfrm>
+            <a:off x="658761" y="5624052"/>
+            <a:ext cx="7157884" cy="646331"/>
+          </a:xfrm>
+          <a:prstGeom prst="rect">
+            <a:avLst/>
+          </a:prstGeom>
+          <a:noFill/>
+        </p:spPr>
+        <p:txBody>
+          <a:bodyPr wrap="square" rtlCol="0">
+            <a:spAutoFit/>
+          </a:bodyPr>
+          <a:lstStyle/>
+          <a:p>
+            <a:r>
+              <a:rPr lang="en-IN" dirty="0"/>
+              <a:t>From where in Karnataka we get most of the observations?</a:t>
+            </a:r>
+          </a:p>
+          <a:p>
+            <a:r>
+              <a:rPr lang="en-US" sz="1800" b="0" strike="noStrike" spc="-1" dirty="0">
+                <a:solidFill>
+                  <a:schemeClr val="dk1"/>
+                </a:solidFill>
+                <a:latin typeface="Calibri"/>
+              </a:rPr>
+              <a:t>Bengaluru, Mysuru and Mangalore</a:t>
+            </a:r>
+            <a:endParaRPr lang="en-IN" dirty="0"/>
+          </a:p>
+        </p:txBody>
+      </p:sp>
+    </p:spTree>
+  </p:cSld>
+  <p:clrMapOvr>
+    <a:masterClrMapping/>
+  </p:clrMapOvr>
+</p:sld>
+</file>
+
+<file path=ppt/slides/slide21.xml><?xml version="1.0" encoding="utf-8"?>
+<p:sld xmlns:a="http://schemas.openxmlformats.org/drawingml/2006/main" xmlns:r="http://schemas.openxmlformats.org/officeDocument/2006/relationships" xmlns:p="http://schemas.openxmlformats.org/presentationml/2006/main">
+  <p:cSld>
+    <p:spTree>
+      <p:nvGrpSpPr>
+        <p:cNvPr id="1" name=""/>
+        <p:cNvGrpSpPr/>
+        <p:nvPr/>
+      </p:nvGrpSpPr>
+      <p:grpSpPr>
+        <a:xfrm>
+          <a:off x="0" y="0"/>
+          <a:ext cx="0" cy="0"/>
+          <a:chOff x="0" y="0"/>
+          <a:chExt cx="0" cy="0"/>
+        </a:xfrm>
+      </p:grpSpPr>
+      <p:sp>
+        <p:nvSpPr>
+          <p:cNvPr id="122" name="PlaceHolder 2"/>
+          <p:cNvSpPr>
+            <a:spLocks noGrp="1"/>
+          </p:cNvSpPr>
+          <p:nvPr>
+            <p:ph/>
+          </p:nvPr>
+        </p:nvSpPr>
+        <p:spPr>
+          <a:xfrm>
+            <a:off x="838080" y="1825560"/>
+            <a:ext cx="8679546" cy="4350960"/>
+          </a:xfrm>
+          <a:prstGeom prst="rect">
+            <a:avLst/>
+          </a:prstGeom>
+          <a:noFill/>
+          <a:ln w="0">
+            <a:noFill/>
+          </a:ln>
+        </p:spPr>
+        <p:txBody>
+          <a:bodyPr lIns="91440" tIns="45720" rIns="91440" bIns="45720" anchor="t">
+            <a:noAutofit/>
+          </a:bodyPr>
+          <a:lstStyle/>
+          <a:p>
+            <a:pPr marL="228600" indent="-228600" defTabSz="914400">
+              <a:lnSpc>
+                <a:spcPct val="90000"/>
+              </a:lnSpc>
+              <a:spcBef>
+                <a:spcPts val="1191"/>
+              </a:spcBef>
+              <a:spcAft>
+                <a:spcPts val="992"/>
+              </a:spcAft>
+              <a:buClr>
+                <a:srgbClr val="000000"/>
+              </a:buClr>
+              <a:buFont typeface="Arial"/>
+              <a:buChar char="•"/>
+            </a:pPr>
+            <a:r>
+              <a:rPr lang="en-US" sz="2800" b="0" strike="noStrike" spc="-1" dirty="0">
+                <a:solidFill>
+                  <a:schemeClr val="dk1"/>
+                </a:solidFill>
+                <a:latin typeface="Calibri"/>
+              </a:rPr>
+              <a:t>Discover of species in each year growths exponentially.</a:t>
+            </a:r>
+          </a:p>
+          <a:p>
+            <a:pPr marL="228600" indent="-228600" defTabSz="914400">
+              <a:lnSpc>
+                <a:spcPct val="90000"/>
+              </a:lnSpc>
+              <a:spcBef>
+                <a:spcPts val="1191"/>
+              </a:spcBef>
+              <a:spcAft>
+                <a:spcPts val="992"/>
+              </a:spcAft>
+              <a:buClr>
+                <a:srgbClr val="000000"/>
+              </a:buClr>
+              <a:buFont typeface="Arial"/>
+              <a:buChar char="•"/>
+            </a:pPr>
+            <a:r>
+              <a:rPr lang="en-US" sz="2800" spc="-1" dirty="0">
+                <a:solidFill>
+                  <a:schemeClr val="dk1"/>
+                </a:solidFill>
+                <a:latin typeface="Calibri"/>
+              </a:rPr>
+              <a:t>M</a:t>
+            </a:r>
+            <a:r>
+              <a:rPr lang="en-US" sz="2800" b="0" strike="noStrike" spc="-1" dirty="0">
+                <a:solidFill>
+                  <a:schemeClr val="dk1"/>
+                </a:solidFill>
+                <a:latin typeface="Calibri"/>
+              </a:rPr>
+              <a:t>ostly found 85% kingdom was Animalia and 51% phylum is Chordata.</a:t>
+            </a:r>
+          </a:p>
+          <a:p>
+            <a:pPr marL="228600" indent="-228600" defTabSz="914400">
+              <a:lnSpc>
+                <a:spcPct val="90000"/>
+              </a:lnSpc>
+              <a:spcBef>
+                <a:spcPts val="1191"/>
+              </a:spcBef>
+              <a:spcAft>
+                <a:spcPts val="992"/>
+              </a:spcAft>
+              <a:buClr>
+                <a:srgbClr val="000000"/>
+              </a:buClr>
+              <a:buFont typeface="Arial"/>
+              <a:buChar char="•"/>
+            </a:pPr>
+            <a:r>
+              <a:rPr lang="en-US" sz="2800" b="0" strike="noStrike" spc="-1" dirty="0">
+                <a:solidFill>
+                  <a:schemeClr val="dk1"/>
+                </a:solidFill>
+                <a:latin typeface="Calibri"/>
+              </a:rPr>
+              <a:t>Using clustering to find the cluster which gives the dense region where the discoveries are more, found out that cities are Bengaluru, Mysuru and Mangalore.</a:t>
+            </a:r>
+          </a:p>
+        </p:txBody>
+      </p:sp>
+      <p:sp>
+        <p:nvSpPr>
+          <p:cNvPr id="121" name="PlaceHolder 1"/>
+          <p:cNvSpPr>
+            <a:spLocks noGrp="1"/>
+          </p:cNvSpPr>
+          <p:nvPr>
+            <p:ph type="title"/>
+          </p:nvPr>
+        </p:nvSpPr>
+        <p:spPr>
+          <a:prstGeom prst="rect">
+            <a:avLst/>
+          </a:prstGeom>
+          <a:noFill/>
+          <a:ln w="0">
+            <a:noFill/>
+          </a:ln>
+        </p:spPr>
+        <p:txBody>
+          <a:bodyPr lIns="91440" tIns="45720" rIns="91440" bIns="45720" anchor="ctr">
+            <a:noAutofit/>
+          </a:bodyPr>
+          <a:lstStyle/>
+          <a:p>
+            <a:pPr indent="0" defTabSz="914400">
+              <a:lnSpc>
+                <a:spcPct val="90000"/>
+              </a:lnSpc>
+              <a:buNone/>
+            </a:pPr>
+            <a:r>
+              <a:rPr lang="en-US" dirty="0"/>
+              <a:t>Analysis for state Karnataka</a:t>
+            </a:r>
+          </a:p>
+        </p:txBody>
+      </p:sp>
+    </p:spTree>
+  </p:cSld>
+  <p:clrMapOvr>
+    <a:masterClrMapping/>
+  </p:clrMapOvr>
+</p:sld>
+</file>
+
+<file path=ppt/slides/slide22.xml><?xml version="1.0" encoding="utf-8"?>
+<p:sld xmlns:a="http://schemas.openxmlformats.org/drawingml/2006/main" xmlns:r="http://schemas.openxmlformats.org/officeDocument/2006/relationships" xmlns:p="http://schemas.openxmlformats.org/presentationml/2006/main">
+  <p:cSld>
+    <p:spTree>
+      <p:nvGrpSpPr>
+        <p:cNvPr id="1" name=""/>
+        <p:cNvGrpSpPr/>
+        <p:nvPr/>
+      </p:nvGrpSpPr>
+      <p:grpSpPr>
+        <a:xfrm>
+          <a:off x="0" y="0"/>
+          <a:ext cx="0" cy="0"/>
+          <a:chOff x="0" y="0"/>
+          <a:chExt cx="0" cy="0"/>
+        </a:xfrm>
+      </p:grpSpPr>
+      <p:pic>
+        <p:nvPicPr>
           <p:cNvPr id="100" name="Picture 99"/>
           <p:cNvPicPr/>
           <p:nvPr/>
@@ -15151,6 +16724,11 @@
         </p:txBody>
       </p:sp>
     </p:spTree>
+    <p:extLst>
+      <p:ext uri="{BB962C8B-B14F-4D97-AF65-F5344CB8AC3E}">
+        <p14:creationId xmlns:p14="http://schemas.microsoft.com/office/powerpoint/2010/main" val="524530987"/>
+      </p:ext>
+    </p:extLst>
   </p:cSld>
   <p:clrMapOvr>
     <a:masterClrMapping/>
@@ -15158,7 +16736,7 @@
 </p:sld>
 </file>
 
-<file path=ppt/slides/slide15.xml><?xml version="1.0" encoding="utf-8"?>
+<file path=ppt/slides/slide23.xml><?xml version="1.0" encoding="utf-8"?>
 <p:sld xmlns:a="http://schemas.openxmlformats.org/drawingml/2006/main" xmlns:r="http://schemas.openxmlformats.org/officeDocument/2006/relationships" xmlns:p="http://schemas.openxmlformats.org/presentationml/2006/main">
   <p:cSld>
     <p:spTree>
@@ -15301,6 +16879,11 @@
         </p:txBody>
       </p:sp>
     </p:spTree>
+    <p:extLst>
+      <p:ext uri="{BB962C8B-B14F-4D97-AF65-F5344CB8AC3E}">
+        <p14:creationId xmlns:p14="http://schemas.microsoft.com/office/powerpoint/2010/main" val="386785031"/>
+      </p:ext>
+    </p:extLst>
   </p:cSld>
   <p:clrMapOvr>
     <a:masterClrMapping/>
@@ -15308,7 +16891,7 @@
 </p:sld>
 </file>
 
-<file path=ppt/slides/slide16.xml><?xml version="1.0" encoding="utf-8"?>
+<file path=ppt/slides/slide24.xml><?xml version="1.0" encoding="utf-8"?>
 <p:sld xmlns:a="http://schemas.openxmlformats.org/drawingml/2006/main" xmlns:r="http://schemas.openxmlformats.org/officeDocument/2006/relationships" xmlns:p="http://schemas.openxmlformats.org/presentationml/2006/main">
   <p:cSld>
     <p:spTree>
@@ -15428,1587 +17011,11 @@
         </p:txBody>
       </p:sp>
     </p:spTree>
-  </p:cSld>
-  <p:clrMapOvr>
-    <a:masterClrMapping/>
-  </p:clrMapOvr>
-</p:sld>
-</file>
-
-<file path=ppt/slides/slide17.xml><?xml version="1.0" encoding="utf-8"?>
-<p:sld xmlns:a="http://schemas.openxmlformats.org/drawingml/2006/main" xmlns:r="http://schemas.openxmlformats.org/officeDocument/2006/relationships" xmlns:p="http://schemas.openxmlformats.org/presentationml/2006/main">
-  <p:cSld>
-    <p:spTree>
-      <p:nvGrpSpPr>
-        <p:cNvPr id="1" name=""/>
-        <p:cNvGrpSpPr/>
-        <p:nvPr/>
-      </p:nvGrpSpPr>
-      <p:grpSpPr>
-        <a:xfrm>
-          <a:off x="0" y="0"/>
-          <a:ext cx="0" cy="0"/>
-          <a:chOff x="0" y="0"/>
-          <a:chExt cx="0" cy="0"/>
-        </a:xfrm>
-      </p:grpSpPr>
-      <p:sp>
-        <p:nvSpPr>
-          <p:cNvPr id="104" name="PlaceHolder 2"/>
-          <p:cNvSpPr>
-            <a:spLocks noGrp="1"/>
-          </p:cNvSpPr>
-          <p:nvPr>
-            <p:ph/>
-          </p:nvPr>
-        </p:nvSpPr>
-        <p:spPr>
-          <a:xfrm>
-            <a:off x="838080" y="1825560"/>
-            <a:ext cx="8600888" cy="4350960"/>
-          </a:xfrm>
-          <a:prstGeom prst="rect">
-            <a:avLst/>
-          </a:prstGeom>
-          <a:noFill/>
-          <a:ln w="0">
-            <a:noFill/>
-          </a:ln>
-        </p:spPr>
-        <p:txBody>
-          <a:bodyPr lIns="91440" tIns="45720" rIns="91440" bIns="45720" anchor="t">
-            <a:noAutofit/>
-          </a:bodyPr>
-          <a:lstStyle/>
-          <a:p>
-            <a:pPr marL="228600" indent="-228600" defTabSz="914400">
-              <a:lnSpc>
-                <a:spcPct val="90000"/>
-              </a:lnSpc>
-              <a:spcBef>
-                <a:spcPts val="1191"/>
-              </a:spcBef>
-              <a:spcAft>
-                <a:spcPts val="992"/>
-              </a:spcAft>
-              <a:buClr>
-                <a:srgbClr val="000000"/>
-              </a:buClr>
-              <a:buFont typeface="Arial"/>
-              <a:buChar char="•"/>
-            </a:pPr>
-            <a:r>
-              <a:rPr lang="en-US" sz="2800" b="0" strike="noStrike" spc="-1" dirty="0">
-                <a:solidFill>
-                  <a:schemeClr val="dk1"/>
-                </a:solidFill>
-                <a:latin typeface="Calibri"/>
-              </a:rPr>
-              <a:t>Discover of species in each year growths exponentially.</a:t>
-            </a:r>
-          </a:p>
-          <a:p>
-            <a:pPr marL="228600" indent="-228600" defTabSz="914400">
-              <a:lnSpc>
-                <a:spcPct val="90000"/>
-              </a:lnSpc>
-              <a:spcBef>
-                <a:spcPts val="1191"/>
-              </a:spcBef>
-              <a:spcAft>
-                <a:spcPts val="992"/>
-              </a:spcAft>
-              <a:buClr>
-                <a:srgbClr val="000000"/>
-              </a:buClr>
-              <a:buFont typeface="Arial"/>
-              <a:buChar char="•"/>
-            </a:pPr>
-            <a:r>
-              <a:rPr lang="en-US" sz="2800" spc="-1" dirty="0">
-                <a:solidFill>
-                  <a:schemeClr val="dk1"/>
-                </a:solidFill>
-                <a:latin typeface="Calibri"/>
-              </a:rPr>
-              <a:t>M</a:t>
-            </a:r>
-            <a:r>
-              <a:rPr lang="en-US" sz="2800" b="0" strike="noStrike" spc="-1" dirty="0">
-                <a:solidFill>
-                  <a:schemeClr val="dk1"/>
-                </a:solidFill>
-                <a:latin typeface="Calibri"/>
-              </a:rPr>
-              <a:t>ostly found kingdom was Animalia and phylum is </a:t>
-            </a:r>
-            <a:r>
-              <a:rPr lang="en-US" sz="2800" spc="-1" dirty="0">
-                <a:solidFill>
-                  <a:schemeClr val="dk1"/>
-                </a:solidFill>
-                <a:latin typeface="Calibri"/>
-              </a:rPr>
-              <a:t>A</a:t>
-            </a:r>
-            <a:r>
-              <a:rPr lang="en-US" sz="2800" b="0" strike="noStrike" spc="-1" dirty="0">
-                <a:solidFill>
-                  <a:schemeClr val="dk1"/>
-                </a:solidFill>
-                <a:latin typeface="Calibri"/>
-              </a:rPr>
-              <a:t>rthropoda.</a:t>
-            </a:r>
-          </a:p>
-          <a:p>
-            <a:pPr marL="228600" indent="-228600" defTabSz="914400">
-              <a:lnSpc>
-                <a:spcPct val="90000"/>
-              </a:lnSpc>
-              <a:spcBef>
-                <a:spcPts val="1191"/>
-              </a:spcBef>
-              <a:spcAft>
-                <a:spcPts val="992"/>
-              </a:spcAft>
-              <a:buClr>
-                <a:srgbClr val="000000"/>
-              </a:buClr>
-              <a:buFont typeface="Arial"/>
-              <a:buChar char="•"/>
-            </a:pPr>
-            <a:r>
-              <a:rPr lang="en-US" sz="2800" b="0" strike="noStrike" spc="-1" dirty="0">
-                <a:solidFill>
-                  <a:schemeClr val="dk1"/>
-                </a:solidFill>
-                <a:latin typeface="Calibri"/>
-              </a:rPr>
-              <a:t>Using clustering to find the cluster which gives the dense region where the discoveries are more, found out that cities are Mumbai, </a:t>
-            </a:r>
-            <a:r>
-              <a:rPr lang="en-US" sz="2800" spc="-1" dirty="0">
-                <a:solidFill>
-                  <a:schemeClr val="dk1"/>
-                </a:solidFill>
-                <a:latin typeface="Calibri"/>
-              </a:rPr>
-              <a:t>P</a:t>
-            </a:r>
-            <a:r>
-              <a:rPr lang="en-US" sz="2800" b="0" strike="noStrike" spc="-1" dirty="0">
-                <a:solidFill>
-                  <a:schemeClr val="dk1"/>
-                </a:solidFill>
-                <a:latin typeface="Calibri"/>
-              </a:rPr>
-              <a:t>une and Nagpur.</a:t>
-            </a:r>
-          </a:p>
-        </p:txBody>
-      </p:sp>
-      <p:sp>
-        <p:nvSpPr>
-          <p:cNvPr id="103" name="PlaceHolder 1"/>
-          <p:cNvSpPr>
-            <a:spLocks noGrp="1"/>
-          </p:cNvSpPr>
-          <p:nvPr>
-            <p:ph type="title"/>
-          </p:nvPr>
-        </p:nvSpPr>
-        <p:spPr>
-          <a:prstGeom prst="rect">
-            <a:avLst/>
-          </a:prstGeom>
-          <a:noFill/>
-          <a:ln w="0">
-            <a:noFill/>
-          </a:ln>
-        </p:spPr>
-        <p:txBody>
-          <a:bodyPr lIns="91440" tIns="45720" rIns="91440" bIns="45720" anchor="ctr">
-            <a:noAutofit/>
-          </a:bodyPr>
-          <a:lstStyle/>
-          <a:p>
-            <a:pPr indent="0" defTabSz="914400">
-              <a:lnSpc>
-                <a:spcPct val="90000"/>
-              </a:lnSpc>
-              <a:buNone/>
-            </a:pPr>
-            <a:r>
-              <a:rPr lang="en-US" dirty="0"/>
-              <a:t>Analysis for state Maharashtra</a:t>
-            </a:r>
-          </a:p>
-        </p:txBody>
-      </p:sp>
-    </p:spTree>
-  </p:cSld>
-  <p:clrMapOvr>
-    <a:masterClrMapping/>
-  </p:clrMapOvr>
-</p:sld>
-</file>
-
-<file path=ppt/slides/slide18.xml><?xml version="1.0" encoding="utf-8"?>
-<p:sld xmlns:a="http://schemas.openxmlformats.org/drawingml/2006/main" xmlns:r="http://schemas.openxmlformats.org/officeDocument/2006/relationships" xmlns:p="http://schemas.openxmlformats.org/presentationml/2006/main">
-  <p:cSld>
-    <p:spTree>
-      <p:nvGrpSpPr>
-        <p:cNvPr id="1" name=""/>
-        <p:cNvGrpSpPr/>
-        <p:nvPr/>
-      </p:nvGrpSpPr>
-      <p:grpSpPr>
-        <a:xfrm>
-          <a:off x="0" y="0"/>
-          <a:ext cx="0" cy="0"/>
-          <a:chOff x="0" y="0"/>
-          <a:chExt cx="0" cy="0"/>
-        </a:xfrm>
-      </p:grpSpPr>
-      <p:pic>
-        <p:nvPicPr>
-          <p:cNvPr id="109" name="Picture 108"/>
-          <p:cNvPicPr/>
-          <p:nvPr/>
-        </p:nvPicPr>
-        <p:blipFill>
-          <a:blip r:embed="rId2"/>
-          <a:stretch/>
-        </p:blipFill>
-        <p:spPr>
-          <a:xfrm>
-            <a:off x="838080" y="1690200"/>
-            <a:ext cx="8138772" cy="3756871"/>
-          </a:xfrm>
-          <a:prstGeom prst="rect">
-            <a:avLst/>
-          </a:prstGeom>
-          <a:ln w="0">
-            <a:noFill/>
-          </a:ln>
-        </p:spPr>
-      </p:pic>
-      <p:sp>
-        <p:nvSpPr>
-          <p:cNvPr id="108" name="PlaceHolder 1"/>
-          <p:cNvSpPr>
-            <a:spLocks noGrp="1"/>
-          </p:cNvSpPr>
-          <p:nvPr>
-            <p:ph type="title"/>
-          </p:nvPr>
-        </p:nvSpPr>
-        <p:spPr>
-          <a:prstGeom prst="rect">
-            <a:avLst/>
-          </a:prstGeom>
-          <a:noFill/>
-          <a:ln w="0">
-            <a:noFill/>
-          </a:ln>
-        </p:spPr>
-        <p:txBody>
-          <a:bodyPr lIns="91440" tIns="45720" rIns="91440" bIns="45720" anchor="ctr">
-            <a:noAutofit/>
-          </a:bodyPr>
-          <a:lstStyle/>
-          <a:p>
-            <a:pPr indent="0" defTabSz="914400">
-              <a:lnSpc>
-                <a:spcPct val="90000"/>
-              </a:lnSpc>
-              <a:buNone/>
-            </a:pPr>
-            <a:r>
-              <a:rPr lang="en-US" dirty="0"/>
-              <a:t>Analysis for state Kerala</a:t>
-            </a:r>
-          </a:p>
-        </p:txBody>
-      </p:sp>
-      <p:sp>
-        <p:nvSpPr>
-          <p:cNvPr id="2" name="TextBox 1">
-            <a:extLst>
-              <a:ext uri="{FF2B5EF4-FFF2-40B4-BE49-F238E27FC236}">
-                <a16:creationId xmlns:a16="http://schemas.microsoft.com/office/drawing/2014/main" id="{732DC6C5-7403-14B8-F63F-9BA6A5759FCE}"/>
-              </a:ext>
-            </a:extLst>
-          </p:cNvPr>
-          <p:cNvSpPr txBox="1"/>
-          <p:nvPr/>
-        </p:nvSpPr>
-        <p:spPr>
-          <a:xfrm>
-            <a:off x="838079" y="5565058"/>
-            <a:ext cx="6496786" cy="646331"/>
-          </a:xfrm>
-          <a:prstGeom prst="rect">
-            <a:avLst/>
-          </a:prstGeom>
-          <a:noFill/>
-        </p:spPr>
-        <p:txBody>
-          <a:bodyPr wrap="square" rtlCol="0">
-            <a:spAutoFit/>
-          </a:bodyPr>
-          <a:lstStyle/>
-          <a:p>
-            <a:pPr marL="285750" indent="-285750">
-              <a:buFont typeface="Arial" panose="020B0604020202020204" pitchFamily="34" charset="0"/>
-              <a:buChar char="•"/>
-            </a:pPr>
-            <a:r>
-              <a:rPr lang="en-IN" dirty="0"/>
-              <a:t>88% kingdom is Animalia</a:t>
-            </a:r>
-          </a:p>
-          <a:p>
-            <a:pPr marL="285750" indent="-285750">
-              <a:buFont typeface="Arial" panose="020B0604020202020204" pitchFamily="34" charset="0"/>
-              <a:buChar char="•"/>
-            </a:pPr>
-            <a:r>
-              <a:rPr lang="en-IN" dirty="0"/>
-              <a:t>49% phylum is Arthropoda </a:t>
-            </a:r>
-          </a:p>
-        </p:txBody>
-      </p:sp>
-    </p:spTree>
-  </p:cSld>
-  <p:clrMapOvr>
-    <a:masterClrMapping/>
-  </p:clrMapOvr>
-</p:sld>
-</file>
-
-<file path=ppt/slides/slide19.xml><?xml version="1.0" encoding="utf-8"?>
-<p:sld xmlns:a="http://schemas.openxmlformats.org/drawingml/2006/main" xmlns:r="http://schemas.openxmlformats.org/officeDocument/2006/relationships" xmlns:p="http://schemas.openxmlformats.org/presentationml/2006/main">
-  <p:cSld>
-    <p:spTree>
-      <p:nvGrpSpPr>
-        <p:cNvPr id="1" name=""/>
-        <p:cNvGrpSpPr/>
-        <p:nvPr/>
-      </p:nvGrpSpPr>
-      <p:grpSpPr>
-        <a:xfrm>
-          <a:off x="0" y="0"/>
-          <a:ext cx="0" cy="0"/>
-          <a:chOff x="0" y="0"/>
-          <a:chExt cx="0" cy="0"/>
-        </a:xfrm>
-      </p:grpSpPr>
-      <p:pic>
-        <p:nvPicPr>
-          <p:cNvPr id="106" name="Picture 105"/>
-          <p:cNvPicPr/>
-          <p:nvPr/>
-        </p:nvPicPr>
-        <p:blipFill>
-          <a:blip r:embed="rId2"/>
-          <a:stretch/>
-        </p:blipFill>
-        <p:spPr>
-          <a:xfrm>
-            <a:off x="626349" y="1576620"/>
-            <a:ext cx="3704760" cy="3704760"/>
-          </a:xfrm>
-          <a:prstGeom prst="rect">
-            <a:avLst/>
-          </a:prstGeom>
-          <a:ln w="0">
-            <a:noFill/>
-          </a:ln>
-        </p:spPr>
-      </p:pic>
-      <p:sp>
-        <p:nvSpPr>
-          <p:cNvPr id="105" name="PlaceHolder 1"/>
-          <p:cNvSpPr>
-            <a:spLocks noGrp="1"/>
-          </p:cNvSpPr>
-          <p:nvPr>
-            <p:ph type="title"/>
-          </p:nvPr>
-        </p:nvSpPr>
-        <p:spPr>
-          <a:prstGeom prst="rect">
-            <a:avLst/>
-          </a:prstGeom>
-          <a:noFill/>
-          <a:ln w="0">
-            <a:noFill/>
-          </a:ln>
-        </p:spPr>
-        <p:txBody>
-          <a:bodyPr lIns="91440" tIns="45720" rIns="91440" bIns="45720" anchor="ctr">
-            <a:noAutofit/>
-          </a:bodyPr>
-          <a:lstStyle/>
-          <a:p>
-            <a:pPr indent="0" defTabSz="914400">
-              <a:lnSpc>
-                <a:spcPct val="90000"/>
-              </a:lnSpc>
-              <a:buNone/>
-            </a:pPr>
-            <a:r>
-              <a:rPr lang="en-US" dirty="0"/>
-              <a:t>Analysis for state Kerala</a:t>
-            </a:r>
-          </a:p>
-        </p:txBody>
-      </p:sp>
-      <p:pic>
-        <p:nvPicPr>
-          <p:cNvPr id="107" name="Picture 106"/>
-          <p:cNvPicPr/>
-          <p:nvPr/>
-        </p:nvPicPr>
-        <p:blipFill>
-          <a:blip r:embed="rId3"/>
-          <a:stretch/>
-        </p:blipFill>
-        <p:spPr>
-          <a:xfrm>
-            <a:off x="4884174" y="1690200"/>
-            <a:ext cx="4289322" cy="3704760"/>
-          </a:xfrm>
-          <a:prstGeom prst="rect">
-            <a:avLst/>
-          </a:prstGeom>
-          <a:ln w="0">
-            <a:noFill/>
-          </a:ln>
-        </p:spPr>
-      </p:pic>
-      <p:sp>
-        <p:nvSpPr>
-          <p:cNvPr id="2" name="TextBox 1">
-            <a:extLst>
-              <a:ext uri="{FF2B5EF4-FFF2-40B4-BE49-F238E27FC236}">
-                <a16:creationId xmlns:a16="http://schemas.microsoft.com/office/drawing/2014/main" id="{E709D0AF-3D77-B029-1787-184E836958CD}"/>
-              </a:ext>
-            </a:extLst>
-          </p:cNvPr>
-          <p:cNvSpPr txBox="1"/>
-          <p:nvPr/>
-        </p:nvSpPr>
-        <p:spPr>
-          <a:xfrm>
-            <a:off x="658761" y="5624052"/>
-            <a:ext cx="7157884" cy="646331"/>
-          </a:xfrm>
-          <a:prstGeom prst="rect">
-            <a:avLst/>
-          </a:prstGeom>
-          <a:noFill/>
-        </p:spPr>
-        <p:txBody>
-          <a:bodyPr wrap="square" rtlCol="0">
-            <a:spAutoFit/>
-          </a:bodyPr>
-          <a:lstStyle/>
-          <a:p>
-            <a:r>
-              <a:rPr lang="en-IN" dirty="0"/>
-              <a:t>From where in Kerala we get most of the observations?</a:t>
-            </a:r>
-          </a:p>
-          <a:p>
-            <a:r>
-              <a:rPr lang="en-IN" dirty="0"/>
-              <a:t>To answer that we can do clustering</a:t>
-            </a:r>
-          </a:p>
-        </p:txBody>
-      </p:sp>
-    </p:spTree>
-  </p:cSld>
-  <p:clrMapOvr>
-    <a:masterClrMapping/>
-  </p:clrMapOvr>
-</p:sld>
-</file>
-
-<file path=ppt/slides/slide2.xml><?xml version="1.0" encoding="utf-8"?>
-<p:sld xmlns:a="http://schemas.openxmlformats.org/drawingml/2006/main" xmlns:r="http://schemas.openxmlformats.org/officeDocument/2006/relationships" xmlns:p="http://schemas.openxmlformats.org/presentationml/2006/main">
-  <p:cSld>
-    <p:spTree>
-      <p:nvGrpSpPr>
-        <p:cNvPr id="1" name=""/>
-        <p:cNvGrpSpPr/>
-        <p:nvPr/>
-      </p:nvGrpSpPr>
-      <p:grpSpPr>
-        <a:xfrm>
-          <a:off x="0" y="0"/>
-          <a:ext cx="0" cy="0"/>
-          <a:chOff x="0" y="0"/>
-          <a:chExt cx="0" cy="0"/>
-        </a:xfrm>
-      </p:grpSpPr>
-      <p:sp>
-        <p:nvSpPr>
-          <p:cNvPr id="68" name="PlaceHolder 2"/>
-          <p:cNvSpPr>
-            <a:spLocks noGrp="1"/>
-          </p:cNvSpPr>
-          <p:nvPr>
-            <p:ph/>
-          </p:nvPr>
-        </p:nvSpPr>
-        <p:spPr>
-          <a:xfrm>
-            <a:off x="838080" y="1497420"/>
-            <a:ext cx="8512397" cy="3863160"/>
-          </a:xfrm>
-          <a:prstGeom prst="rect">
-            <a:avLst/>
-          </a:prstGeom>
-          <a:noFill/>
-          <a:ln w="0">
-            <a:noFill/>
-          </a:ln>
-        </p:spPr>
-        <p:txBody>
-          <a:bodyPr lIns="0" tIns="0" rIns="0" bIns="0" anchor="t">
-            <a:noAutofit/>
-          </a:bodyPr>
-          <a:lstStyle/>
-          <a:p>
-            <a:pPr marL="228600" indent="-228600" defTabSz="914400">
-              <a:lnSpc>
-                <a:spcPct val="90000"/>
-              </a:lnSpc>
-              <a:spcBef>
-                <a:spcPts val="1191"/>
-              </a:spcBef>
-              <a:spcAft>
-                <a:spcPts val="992"/>
-              </a:spcAft>
-              <a:buClr>
-                <a:srgbClr val="000000"/>
-              </a:buClr>
-              <a:buFont typeface="Arial"/>
-              <a:buChar char="•"/>
-            </a:pPr>
-            <a:r>
-              <a:rPr lang="en-US" sz="2200" b="0" strike="noStrike" spc="-1" dirty="0">
-                <a:solidFill>
-                  <a:schemeClr val="dk1"/>
-                </a:solidFill>
-                <a:latin typeface="Calibri"/>
-              </a:rPr>
-              <a:t>Contains 50 Columns/variables and 1,00,000 data points/observations</a:t>
-            </a:r>
-            <a:endParaRPr lang="en-US" sz="2200" b="0" strike="noStrike" spc="-1" dirty="0">
-              <a:solidFill>
-                <a:schemeClr val="dk1"/>
-              </a:solidFill>
-              <a:latin typeface="Calibri"/>
-              <a:ea typeface="Noto Sans CJK SC"/>
-            </a:endParaRPr>
-          </a:p>
-          <a:p>
-            <a:pPr marL="228600" indent="-228600" defTabSz="914400">
-              <a:lnSpc>
-                <a:spcPct val="90000"/>
-              </a:lnSpc>
-              <a:spcBef>
-                <a:spcPts val="1191"/>
-              </a:spcBef>
-              <a:spcAft>
-                <a:spcPts val="992"/>
-              </a:spcAft>
-              <a:buClr>
-                <a:srgbClr val="000000"/>
-              </a:buClr>
-              <a:buFont typeface="Arial"/>
-              <a:buChar char="•"/>
-            </a:pPr>
-            <a:r>
-              <a:rPr lang="en-US" sz="2200" b="0" strike="noStrike" spc="-1" dirty="0">
-                <a:solidFill>
-                  <a:schemeClr val="dk1"/>
-                </a:solidFill>
-                <a:latin typeface="Calibri"/>
-              </a:rPr>
-              <a:t>Containing various fields related to species identification, taxonomy, and metadata on the observation process.</a:t>
-            </a:r>
-            <a:endParaRPr lang="en-US" sz="2200" b="0" strike="noStrike" spc="-1" dirty="0">
-              <a:solidFill>
-                <a:schemeClr val="dk1"/>
-              </a:solidFill>
-              <a:latin typeface="Calibri"/>
-              <a:ea typeface="Noto Sans CJK SC"/>
-            </a:endParaRPr>
-          </a:p>
-          <a:p>
-            <a:pPr marL="228600" indent="-228600" defTabSz="914400">
-              <a:lnSpc>
-                <a:spcPct val="90000"/>
-              </a:lnSpc>
-              <a:spcBef>
-                <a:spcPts val="1191"/>
-              </a:spcBef>
-              <a:spcAft>
-                <a:spcPts val="992"/>
-              </a:spcAft>
-              <a:buClr>
-                <a:srgbClr val="000000"/>
-              </a:buClr>
-              <a:buFont typeface="Arial"/>
-              <a:buChar char="•"/>
-            </a:pPr>
-            <a:r>
-              <a:rPr lang="en-US" sz="2200" b="0" strike="noStrike" spc="-1" dirty="0">
-                <a:solidFill>
-                  <a:schemeClr val="dk1"/>
-                </a:solidFill>
-                <a:latin typeface="Calibri"/>
-              </a:rPr>
-              <a:t>kingdom, phylum, class, order, family, genus, species and taxonomic classification of the observed organism</a:t>
-            </a:r>
-            <a:endParaRPr lang="en-US" sz="2200" b="0" strike="noStrike" spc="-1" dirty="0">
-              <a:solidFill>
-                <a:schemeClr val="dk1"/>
-              </a:solidFill>
-              <a:latin typeface="Calibri"/>
-              <a:ea typeface="Noto Sans CJK SC"/>
-            </a:endParaRPr>
-          </a:p>
-          <a:p>
-            <a:pPr marL="228600" indent="-228600" defTabSz="914400">
-              <a:lnSpc>
-                <a:spcPct val="90000"/>
-              </a:lnSpc>
-              <a:spcBef>
-                <a:spcPts val="1191"/>
-              </a:spcBef>
-              <a:spcAft>
-                <a:spcPts val="992"/>
-              </a:spcAft>
-              <a:buClr>
-                <a:srgbClr val="000000"/>
-              </a:buClr>
-              <a:buFont typeface="Arial"/>
-              <a:buChar char="•"/>
-            </a:pPr>
-            <a:r>
-              <a:rPr lang="en-US" sz="2200" b="0" strike="noStrike" spc="-1" dirty="0" err="1">
-                <a:solidFill>
-                  <a:schemeClr val="dk1"/>
-                </a:solidFill>
-                <a:latin typeface="Calibri"/>
-                <a:ea typeface="Noto Sans CJK SC"/>
-              </a:rPr>
-              <a:t>decimalLatitude</a:t>
-            </a:r>
-            <a:r>
-              <a:rPr lang="en-US" sz="2200" b="0" strike="noStrike" spc="-1" dirty="0">
-                <a:solidFill>
-                  <a:schemeClr val="dk1"/>
-                </a:solidFill>
-                <a:latin typeface="Calibri"/>
-                <a:ea typeface="Noto Sans CJK SC"/>
-              </a:rPr>
-              <a:t> and </a:t>
-            </a:r>
-            <a:r>
-              <a:rPr lang="en-US" sz="2200" b="0" strike="noStrike" spc="-1" dirty="0" err="1">
-                <a:solidFill>
-                  <a:schemeClr val="dk1"/>
-                </a:solidFill>
-                <a:latin typeface="Calibri"/>
-                <a:ea typeface="Noto Sans CJK SC"/>
-              </a:rPr>
-              <a:t>decimalLongitude</a:t>
-            </a:r>
-            <a:r>
-              <a:rPr lang="en-US" sz="2200" b="0" strike="noStrike" spc="-1" dirty="0">
-                <a:solidFill>
-                  <a:schemeClr val="dk1"/>
-                </a:solidFill>
-                <a:latin typeface="Calibri"/>
-                <a:ea typeface="Noto Sans CJK SC"/>
-              </a:rPr>
-              <a:t> provides precise geographic coordinates (latitude and longitude) for each observation, allowing for spatial analysis.</a:t>
-            </a:r>
-          </a:p>
-          <a:p>
-            <a:pPr marL="228600" indent="-228600" defTabSz="914400">
-              <a:lnSpc>
-                <a:spcPct val="90000"/>
-              </a:lnSpc>
-              <a:spcBef>
-                <a:spcPts val="1191"/>
-              </a:spcBef>
-              <a:spcAft>
-                <a:spcPts val="992"/>
-              </a:spcAft>
-              <a:buClr>
-                <a:srgbClr val="000000"/>
-              </a:buClr>
-              <a:buFont typeface="Arial"/>
-              <a:buChar char="•"/>
-            </a:pPr>
-            <a:r>
-              <a:rPr lang="en-US" sz="2200" b="0" strike="noStrike" spc="-1" dirty="0">
-                <a:solidFill>
-                  <a:schemeClr val="dk1"/>
-                </a:solidFill>
-                <a:latin typeface="Calibri"/>
-                <a:ea typeface="Noto Sans CJK SC"/>
-              </a:rPr>
-              <a:t>locality and </a:t>
-            </a:r>
-            <a:r>
-              <a:rPr lang="en-US" sz="2200" b="0" strike="noStrike" spc="-1" dirty="0" err="1">
-                <a:solidFill>
-                  <a:schemeClr val="dk1"/>
-                </a:solidFill>
-                <a:latin typeface="Calibri"/>
-                <a:ea typeface="Noto Sans CJK SC"/>
-              </a:rPr>
-              <a:t>stateProvince</a:t>
-            </a:r>
-            <a:r>
-              <a:rPr lang="en-US" sz="2200" b="0" strike="noStrike" spc="-1" dirty="0">
-                <a:solidFill>
-                  <a:schemeClr val="dk1"/>
-                </a:solidFill>
-                <a:latin typeface="Calibri"/>
-                <a:ea typeface="Noto Sans CJK SC"/>
-              </a:rPr>
-              <a:t>  provides additional geographic context, such as the specific locality or province where the observation occurred.</a:t>
-            </a:r>
-            <a:endParaRPr lang="en-US" sz="2200" b="0" strike="noStrike" spc="-1" dirty="0">
-              <a:solidFill>
-                <a:schemeClr val="dk1"/>
-              </a:solidFill>
-              <a:latin typeface="Calibri"/>
-            </a:endParaRPr>
-          </a:p>
-        </p:txBody>
-      </p:sp>
-      <p:sp>
-        <p:nvSpPr>
-          <p:cNvPr id="67" name="PlaceHolder 1"/>
-          <p:cNvSpPr>
-            <a:spLocks noGrp="1"/>
-          </p:cNvSpPr>
-          <p:nvPr>
-            <p:ph type="title"/>
-          </p:nvPr>
-        </p:nvSpPr>
-        <p:spPr>
-          <a:prstGeom prst="rect">
-            <a:avLst/>
-          </a:prstGeom>
-          <a:noFill/>
-          <a:ln w="0">
-            <a:noFill/>
-          </a:ln>
-        </p:spPr>
-        <p:txBody>
-          <a:bodyPr lIns="91440" tIns="45720" rIns="91440" bIns="45720" anchor="ctr">
-            <a:noAutofit/>
-          </a:bodyPr>
-          <a:lstStyle/>
-          <a:p>
-            <a:pPr indent="0" defTabSz="914400">
-              <a:lnSpc>
-                <a:spcPct val="90000"/>
-              </a:lnSpc>
-              <a:buNone/>
-            </a:pPr>
-            <a:r>
-              <a:rPr lang="en-US" dirty="0"/>
-              <a:t>About Dataset</a:t>
-            </a:r>
-          </a:p>
-        </p:txBody>
-      </p:sp>
-    </p:spTree>
-  </p:cSld>
-  <p:clrMapOvr>
-    <a:masterClrMapping/>
-  </p:clrMapOvr>
-</p:sld>
-</file>
-
-<file path=ppt/slides/slide20.xml><?xml version="1.0" encoding="utf-8"?>
-<p:sld xmlns:a="http://schemas.openxmlformats.org/drawingml/2006/main" xmlns:r="http://schemas.openxmlformats.org/officeDocument/2006/relationships" xmlns:p="http://schemas.openxmlformats.org/presentationml/2006/main">
-  <p:cSld>
-    <p:spTree>
-      <p:nvGrpSpPr>
-        <p:cNvPr id="1" name=""/>
-        <p:cNvGrpSpPr/>
-        <p:nvPr/>
-      </p:nvGrpSpPr>
-      <p:grpSpPr>
-        <a:xfrm>
-          <a:off x="0" y="0"/>
-          <a:ext cx="0" cy="0"/>
-          <a:chOff x="0" y="0"/>
-          <a:chExt cx="0" cy="0"/>
-        </a:xfrm>
-      </p:grpSpPr>
-      <p:pic>
-        <p:nvPicPr>
-          <p:cNvPr id="111" name="Picture 110"/>
-          <p:cNvPicPr/>
-          <p:nvPr/>
-        </p:nvPicPr>
-        <p:blipFill>
-          <a:blip r:embed="rId2"/>
-          <a:stretch/>
-        </p:blipFill>
-        <p:spPr>
-          <a:xfrm>
-            <a:off x="838080" y="1690200"/>
-            <a:ext cx="3704760" cy="3704760"/>
-          </a:xfrm>
-          <a:prstGeom prst="rect">
-            <a:avLst/>
-          </a:prstGeom>
-          <a:ln w="0">
-            <a:noFill/>
-          </a:ln>
-        </p:spPr>
-      </p:pic>
-      <p:sp>
-        <p:nvSpPr>
-          <p:cNvPr id="110" name="PlaceHolder 1"/>
-          <p:cNvSpPr>
-            <a:spLocks noGrp="1"/>
-          </p:cNvSpPr>
-          <p:nvPr>
-            <p:ph type="title"/>
-          </p:nvPr>
-        </p:nvSpPr>
-        <p:spPr>
-          <a:prstGeom prst="rect">
-            <a:avLst/>
-          </a:prstGeom>
-          <a:noFill/>
-          <a:ln w="0">
-            <a:noFill/>
-          </a:ln>
-        </p:spPr>
-        <p:txBody>
-          <a:bodyPr lIns="91440" tIns="45720" rIns="91440" bIns="45720" anchor="ctr">
-            <a:noAutofit/>
-          </a:bodyPr>
-          <a:lstStyle/>
-          <a:p>
-            <a:pPr indent="0" defTabSz="914400">
-              <a:lnSpc>
-                <a:spcPct val="90000"/>
-              </a:lnSpc>
-              <a:buNone/>
-            </a:pPr>
-            <a:r>
-              <a:rPr lang="en-US" dirty="0"/>
-              <a:t>Analysis for state Kerala</a:t>
-            </a:r>
-          </a:p>
-        </p:txBody>
-      </p:sp>
-      <p:sp>
-        <p:nvSpPr>
-          <p:cNvPr id="2" name="TextBox 1">
-            <a:extLst>
-              <a:ext uri="{FF2B5EF4-FFF2-40B4-BE49-F238E27FC236}">
-                <a16:creationId xmlns:a16="http://schemas.microsoft.com/office/drawing/2014/main" id="{00B69D75-5864-63F5-E2F2-036950D69C23}"/>
-              </a:ext>
-            </a:extLst>
-          </p:cNvPr>
-          <p:cNvSpPr txBox="1"/>
-          <p:nvPr/>
-        </p:nvSpPr>
-        <p:spPr>
-          <a:xfrm>
-            <a:off x="658761" y="5624052"/>
-            <a:ext cx="7157884" cy="646331"/>
-          </a:xfrm>
-          <a:prstGeom prst="rect">
-            <a:avLst/>
-          </a:prstGeom>
-          <a:noFill/>
-        </p:spPr>
-        <p:txBody>
-          <a:bodyPr wrap="square" rtlCol="0">
-            <a:spAutoFit/>
-          </a:bodyPr>
-          <a:lstStyle/>
-          <a:p>
-            <a:r>
-              <a:rPr lang="en-IN" dirty="0"/>
-              <a:t>From where in Kerala we get most of the observations?</a:t>
-            </a:r>
-          </a:p>
-          <a:p>
-            <a:r>
-              <a:rPr lang="en-US" sz="1800" b="0" strike="noStrike" spc="-1" dirty="0">
-                <a:solidFill>
-                  <a:schemeClr val="dk1"/>
-                </a:solidFill>
-                <a:latin typeface="Calibri"/>
-              </a:rPr>
-              <a:t>Kochi and Kannur</a:t>
-            </a:r>
-            <a:endParaRPr lang="en-IN" dirty="0"/>
-          </a:p>
-        </p:txBody>
-      </p:sp>
-    </p:spTree>
-  </p:cSld>
-  <p:clrMapOvr>
-    <a:masterClrMapping/>
-  </p:clrMapOvr>
-</p:sld>
-</file>
-
-<file path=ppt/slides/slide21.xml><?xml version="1.0" encoding="utf-8"?>
-<p:sld xmlns:a="http://schemas.openxmlformats.org/drawingml/2006/main" xmlns:r="http://schemas.openxmlformats.org/officeDocument/2006/relationships" xmlns:p="http://schemas.openxmlformats.org/presentationml/2006/main">
-  <p:cSld>
-    <p:spTree>
-      <p:nvGrpSpPr>
-        <p:cNvPr id="1" name=""/>
-        <p:cNvGrpSpPr/>
-        <p:nvPr/>
-      </p:nvGrpSpPr>
-      <p:grpSpPr>
-        <a:xfrm>
-          <a:off x="0" y="0"/>
-          <a:ext cx="0" cy="0"/>
-          <a:chOff x="0" y="0"/>
-          <a:chExt cx="0" cy="0"/>
-        </a:xfrm>
-      </p:grpSpPr>
-      <p:sp>
-        <p:nvSpPr>
-          <p:cNvPr id="113" name="PlaceHolder 2"/>
-          <p:cNvSpPr>
-            <a:spLocks noGrp="1"/>
-          </p:cNvSpPr>
-          <p:nvPr>
-            <p:ph/>
-          </p:nvPr>
-        </p:nvSpPr>
-        <p:spPr>
-          <a:xfrm>
-            <a:off x="838080" y="1825560"/>
-            <a:ext cx="8669714" cy="4350960"/>
-          </a:xfrm>
-          <a:prstGeom prst="rect">
-            <a:avLst/>
-          </a:prstGeom>
-          <a:noFill/>
-          <a:ln w="0">
-            <a:noFill/>
-          </a:ln>
-        </p:spPr>
-        <p:txBody>
-          <a:bodyPr lIns="91440" tIns="45720" rIns="91440" bIns="45720" anchor="t">
-            <a:noAutofit/>
-          </a:bodyPr>
-          <a:lstStyle/>
-          <a:p>
-            <a:pPr marL="228600" indent="-228600" defTabSz="914400">
-              <a:lnSpc>
-                <a:spcPct val="90000"/>
-              </a:lnSpc>
-              <a:spcBef>
-                <a:spcPts val="1191"/>
-              </a:spcBef>
-              <a:spcAft>
-                <a:spcPts val="992"/>
-              </a:spcAft>
-              <a:buClr>
-                <a:srgbClr val="000000"/>
-              </a:buClr>
-              <a:buFont typeface="Arial"/>
-              <a:buChar char="•"/>
-            </a:pPr>
-            <a:r>
-              <a:rPr lang="en-US" sz="2800" b="0" strike="noStrike" spc="-1" dirty="0">
-                <a:solidFill>
-                  <a:schemeClr val="dk1"/>
-                </a:solidFill>
-                <a:latin typeface="Calibri"/>
-              </a:rPr>
-              <a:t>Discover of species in each year growths exponentially with higher rate than in </a:t>
-            </a:r>
-            <a:r>
-              <a:rPr lang="en-US" sz="2800" spc="-1" dirty="0">
-                <a:solidFill>
-                  <a:schemeClr val="dk1"/>
-                </a:solidFill>
-                <a:latin typeface="Calibri"/>
-              </a:rPr>
-              <a:t>M</a:t>
-            </a:r>
-            <a:r>
-              <a:rPr lang="en-US" sz="2800" b="0" strike="noStrike" spc="-1" dirty="0">
-                <a:solidFill>
-                  <a:schemeClr val="dk1"/>
-                </a:solidFill>
-                <a:latin typeface="Calibri"/>
-              </a:rPr>
-              <a:t>aharashtra.</a:t>
-            </a:r>
-          </a:p>
-          <a:p>
-            <a:pPr marL="228600" indent="-228600" defTabSz="914400">
-              <a:lnSpc>
-                <a:spcPct val="90000"/>
-              </a:lnSpc>
-              <a:spcBef>
-                <a:spcPts val="1191"/>
-              </a:spcBef>
-              <a:spcAft>
-                <a:spcPts val="992"/>
-              </a:spcAft>
-              <a:buClr>
-                <a:srgbClr val="000000"/>
-              </a:buClr>
-              <a:buFont typeface="Arial"/>
-              <a:buChar char="•"/>
-            </a:pPr>
-            <a:r>
-              <a:rPr lang="en-US" sz="2800" spc="-1" dirty="0">
-                <a:solidFill>
-                  <a:schemeClr val="dk1"/>
-                </a:solidFill>
-                <a:latin typeface="Calibri"/>
-              </a:rPr>
-              <a:t>M</a:t>
-            </a:r>
-            <a:r>
-              <a:rPr lang="en-US" sz="2800" b="0" strike="noStrike" spc="-1" dirty="0">
-                <a:solidFill>
-                  <a:schemeClr val="dk1"/>
-                </a:solidFill>
-                <a:latin typeface="Calibri"/>
-              </a:rPr>
-              <a:t>ostly found kingdom was Animalia and 50% phylum is </a:t>
-            </a:r>
-            <a:r>
-              <a:rPr lang="en-US" sz="2800" spc="-1" dirty="0">
-                <a:solidFill>
-                  <a:schemeClr val="dk1"/>
-                </a:solidFill>
-                <a:latin typeface="Calibri"/>
-              </a:rPr>
-              <a:t>A</a:t>
-            </a:r>
-            <a:r>
-              <a:rPr lang="en-US" sz="2800" b="0" strike="noStrike" spc="-1" dirty="0">
-                <a:solidFill>
-                  <a:schemeClr val="dk1"/>
-                </a:solidFill>
-                <a:latin typeface="Calibri"/>
-              </a:rPr>
-              <a:t>rthropoda.</a:t>
-            </a:r>
-          </a:p>
-          <a:p>
-            <a:pPr marL="228600" indent="-228600" defTabSz="914400">
-              <a:lnSpc>
-                <a:spcPct val="90000"/>
-              </a:lnSpc>
-              <a:spcBef>
-                <a:spcPts val="1191"/>
-              </a:spcBef>
-              <a:spcAft>
-                <a:spcPts val="992"/>
-              </a:spcAft>
-              <a:buClr>
-                <a:srgbClr val="000000"/>
-              </a:buClr>
-              <a:buFont typeface="Arial"/>
-              <a:buChar char="•"/>
-            </a:pPr>
-            <a:r>
-              <a:rPr lang="en-US" sz="2800" b="0" strike="noStrike" spc="-1" dirty="0">
-                <a:solidFill>
-                  <a:schemeClr val="dk1"/>
-                </a:solidFill>
-                <a:latin typeface="Calibri"/>
-              </a:rPr>
-              <a:t>Using clustering to find the cluster which gives the dense region where the discoveries are more, found out that cities are Kochi and Kannur.</a:t>
-            </a:r>
-          </a:p>
-        </p:txBody>
-      </p:sp>
-      <p:sp>
-        <p:nvSpPr>
-          <p:cNvPr id="112" name="PlaceHolder 1"/>
-          <p:cNvSpPr>
-            <a:spLocks noGrp="1"/>
-          </p:cNvSpPr>
-          <p:nvPr>
-            <p:ph type="title"/>
-          </p:nvPr>
-        </p:nvSpPr>
-        <p:spPr>
-          <a:prstGeom prst="rect">
-            <a:avLst/>
-          </a:prstGeom>
-          <a:noFill/>
-          <a:ln w="0">
-            <a:noFill/>
-          </a:ln>
-        </p:spPr>
-        <p:txBody>
-          <a:bodyPr lIns="91440" tIns="45720" rIns="91440" bIns="45720" anchor="ctr">
-            <a:noAutofit/>
-          </a:bodyPr>
-          <a:lstStyle/>
-          <a:p>
-            <a:pPr indent="0" defTabSz="914400">
-              <a:lnSpc>
-                <a:spcPct val="90000"/>
-              </a:lnSpc>
-              <a:buNone/>
-            </a:pPr>
-            <a:r>
-              <a:rPr lang="en-US" dirty="0"/>
-              <a:t>Analysis for state Kerala</a:t>
-            </a:r>
-          </a:p>
-        </p:txBody>
-      </p:sp>
-    </p:spTree>
-  </p:cSld>
-  <p:clrMapOvr>
-    <a:masterClrMapping/>
-  </p:clrMapOvr>
-</p:sld>
-</file>
-
-<file path=ppt/slides/slide22.xml><?xml version="1.0" encoding="utf-8"?>
-<p:sld xmlns:a="http://schemas.openxmlformats.org/drawingml/2006/main" xmlns:r="http://schemas.openxmlformats.org/officeDocument/2006/relationships" xmlns:p="http://schemas.openxmlformats.org/presentationml/2006/main">
-  <p:cSld>
-    <p:spTree>
-      <p:nvGrpSpPr>
-        <p:cNvPr id="1" name=""/>
-        <p:cNvGrpSpPr/>
-        <p:nvPr/>
-      </p:nvGrpSpPr>
-      <p:grpSpPr>
-        <a:xfrm>
-          <a:off x="0" y="0"/>
-          <a:ext cx="0" cy="0"/>
-          <a:chOff x="0" y="0"/>
-          <a:chExt cx="0" cy="0"/>
-        </a:xfrm>
-      </p:grpSpPr>
-      <p:pic>
-        <p:nvPicPr>
-          <p:cNvPr id="118" name="Picture 117"/>
-          <p:cNvPicPr/>
-          <p:nvPr/>
-        </p:nvPicPr>
-        <p:blipFill>
-          <a:blip r:embed="rId2"/>
-          <a:stretch/>
-        </p:blipFill>
-        <p:spPr>
-          <a:xfrm>
-            <a:off x="838079" y="1797951"/>
-            <a:ext cx="8256759" cy="3708113"/>
-          </a:xfrm>
-          <a:prstGeom prst="rect">
-            <a:avLst/>
-          </a:prstGeom>
-          <a:ln w="0">
-            <a:noFill/>
-          </a:ln>
-        </p:spPr>
-      </p:pic>
-      <p:sp>
-        <p:nvSpPr>
-          <p:cNvPr id="117" name="PlaceHolder 1"/>
-          <p:cNvSpPr>
-            <a:spLocks noGrp="1"/>
-          </p:cNvSpPr>
-          <p:nvPr>
-            <p:ph type="title"/>
-          </p:nvPr>
-        </p:nvSpPr>
-        <p:spPr>
-          <a:prstGeom prst="rect">
-            <a:avLst/>
-          </a:prstGeom>
-          <a:noFill/>
-          <a:ln w="0">
-            <a:noFill/>
-          </a:ln>
-        </p:spPr>
-        <p:txBody>
-          <a:bodyPr lIns="91440" tIns="45720" rIns="91440" bIns="45720" anchor="ctr">
-            <a:noAutofit/>
-          </a:bodyPr>
-          <a:lstStyle/>
-          <a:p>
-            <a:pPr indent="0" defTabSz="914400">
-              <a:lnSpc>
-                <a:spcPct val="90000"/>
-              </a:lnSpc>
-              <a:buNone/>
-            </a:pPr>
-            <a:r>
-              <a:rPr lang="en-US" dirty="0"/>
-              <a:t>Analysis for state Karnataka</a:t>
-            </a:r>
-          </a:p>
-        </p:txBody>
-      </p:sp>
-      <p:sp>
-        <p:nvSpPr>
-          <p:cNvPr id="2" name="TextBox 1">
-            <a:extLst>
-              <a:ext uri="{FF2B5EF4-FFF2-40B4-BE49-F238E27FC236}">
-                <a16:creationId xmlns:a16="http://schemas.microsoft.com/office/drawing/2014/main" id="{422C026D-3666-9D7A-AA34-E6237C15191B}"/>
-              </a:ext>
-            </a:extLst>
-          </p:cNvPr>
-          <p:cNvSpPr txBox="1"/>
-          <p:nvPr/>
-        </p:nvSpPr>
-        <p:spPr>
-          <a:xfrm>
-            <a:off x="838079" y="5565058"/>
-            <a:ext cx="6496786" cy="646331"/>
-          </a:xfrm>
-          <a:prstGeom prst="rect">
-            <a:avLst/>
-          </a:prstGeom>
-          <a:noFill/>
-        </p:spPr>
-        <p:txBody>
-          <a:bodyPr wrap="square" rtlCol="0">
-            <a:spAutoFit/>
-          </a:bodyPr>
-          <a:lstStyle/>
-          <a:p>
-            <a:pPr marL="285750" indent="-285750">
-              <a:buFont typeface="Arial" panose="020B0604020202020204" pitchFamily="34" charset="0"/>
-              <a:buChar char="•"/>
-            </a:pPr>
-            <a:r>
-              <a:rPr lang="en-IN" dirty="0"/>
-              <a:t>86% kingdom is Animalia</a:t>
-            </a:r>
-          </a:p>
-          <a:p>
-            <a:pPr marL="285750" indent="-285750">
-              <a:buFont typeface="Arial" panose="020B0604020202020204" pitchFamily="34" charset="0"/>
-              <a:buChar char="•"/>
-            </a:pPr>
-            <a:r>
-              <a:rPr lang="en-IN" dirty="0"/>
-              <a:t>51% phylum is Chordata </a:t>
-            </a:r>
-          </a:p>
-        </p:txBody>
-      </p:sp>
-    </p:spTree>
-  </p:cSld>
-  <p:clrMapOvr>
-    <a:masterClrMapping/>
-  </p:clrMapOvr>
-</p:sld>
-</file>
-
-<file path=ppt/slides/slide23.xml><?xml version="1.0" encoding="utf-8"?>
-<p:sld xmlns:a="http://schemas.openxmlformats.org/drawingml/2006/main" xmlns:r="http://schemas.openxmlformats.org/officeDocument/2006/relationships" xmlns:p="http://schemas.openxmlformats.org/presentationml/2006/main">
-  <p:cSld>
-    <p:spTree>
-      <p:nvGrpSpPr>
-        <p:cNvPr id="1" name=""/>
-        <p:cNvGrpSpPr/>
-        <p:nvPr/>
-      </p:nvGrpSpPr>
-      <p:grpSpPr>
-        <a:xfrm>
-          <a:off x="0" y="0"/>
-          <a:ext cx="0" cy="0"/>
-          <a:chOff x="0" y="0"/>
-          <a:chExt cx="0" cy="0"/>
-        </a:xfrm>
-      </p:grpSpPr>
-      <p:pic>
-        <p:nvPicPr>
-          <p:cNvPr id="115" name="Picture 114"/>
-          <p:cNvPicPr/>
-          <p:nvPr/>
-        </p:nvPicPr>
-        <p:blipFill>
-          <a:blip r:embed="rId2"/>
-          <a:stretch/>
-        </p:blipFill>
-        <p:spPr>
-          <a:xfrm>
-            <a:off x="838080" y="1690200"/>
-            <a:ext cx="3704760" cy="3704760"/>
-          </a:xfrm>
-          <a:prstGeom prst="rect">
-            <a:avLst/>
-          </a:prstGeom>
-          <a:ln w="0">
-            <a:noFill/>
-          </a:ln>
-        </p:spPr>
-      </p:pic>
-      <p:sp>
-        <p:nvSpPr>
-          <p:cNvPr id="114" name="PlaceHolder 1"/>
-          <p:cNvSpPr>
-            <a:spLocks noGrp="1"/>
-          </p:cNvSpPr>
-          <p:nvPr>
-            <p:ph type="title"/>
-          </p:nvPr>
-        </p:nvSpPr>
-        <p:spPr>
-          <a:prstGeom prst="rect">
-            <a:avLst/>
-          </a:prstGeom>
-          <a:noFill/>
-          <a:ln w="0">
-            <a:noFill/>
-          </a:ln>
-        </p:spPr>
-        <p:txBody>
-          <a:bodyPr lIns="91440" tIns="45720" rIns="91440" bIns="45720" anchor="ctr">
-            <a:noAutofit/>
-          </a:bodyPr>
-          <a:lstStyle/>
-          <a:p>
-            <a:pPr indent="0" defTabSz="914400">
-              <a:lnSpc>
-                <a:spcPct val="90000"/>
-              </a:lnSpc>
-              <a:buNone/>
-            </a:pPr>
-            <a:r>
-              <a:rPr lang="en-US" dirty="0"/>
-              <a:t>Analysis for state Karnataka</a:t>
-            </a:r>
-          </a:p>
-        </p:txBody>
-      </p:sp>
-      <p:pic>
-        <p:nvPicPr>
-          <p:cNvPr id="116" name="Picture 115"/>
-          <p:cNvPicPr/>
-          <p:nvPr/>
-        </p:nvPicPr>
-        <p:blipFill>
-          <a:blip r:embed="rId3"/>
-          <a:stretch/>
-        </p:blipFill>
-        <p:spPr>
-          <a:xfrm>
-            <a:off x="5064439" y="1690200"/>
-            <a:ext cx="4158220" cy="3704760"/>
-          </a:xfrm>
-          <a:prstGeom prst="rect">
-            <a:avLst/>
-          </a:prstGeom>
-          <a:ln w="0">
-            <a:noFill/>
-          </a:ln>
-        </p:spPr>
-      </p:pic>
-      <p:sp>
-        <p:nvSpPr>
-          <p:cNvPr id="2" name="TextBox 1">
-            <a:extLst>
-              <a:ext uri="{FF2B5EF4-FFF2-40B4-BE49-F238E27FC236}">
-                <a16:creationId xmlns:a16="http://schemas.microsoft.com/office/drawing/2014/main" id="{E3F9FE03-9DCF-9F35-5E08-F5CA008E9C7E}"/>
-              </a:ext>
-            </a:extLst>
-          </p:cNvPr>
-          <p:cNvSpPr txBox="1"/>
-          <p:nvPr/>
-        </p:nvSpPr>
-        <p:spPr>
-          <a:xfrm>
-            <a:off x="658761" y="5624052"/>
-            <a:ext cx="7157884" cy="646331"/>
-          </a:xfrm>
-          <a:prstGeom prst="rect">
-            <a:avLst/>
-          </a:prstGeom>
-          <a:noFill/>
-        </p:spPr>
-        <p:txBody>
-          <a:bodyPr wrap="square" rtlCol="0">
-            <a:spAutoFit/>
-          </a:bodyPr>
-          <a:lstStyle/>
-          <a:p>
-            <a:r>
-              <a:rPr lang="en-IN" dirty="0"/>
-              <a:t>From where in Karnataka we get most of the observations?</a:t>
-            </a:r>
-          </a:p>
-          <a:p>
-            <a:r>
-              <a:rPr lang="en-IN" dirty="0"/>
-              <a:t>To answer that we can do clustering</a:t>
-            </a:r>
-          </a:p>
-        </p:txBody>
-      </p:sp>
-    </p:spTree>
-  </p:cSld>
-  <p:clrMapOvr>
-    <a:masterClrMapping/>
-  </p:clrMapOvr>
-</p:sld>
-</file>
-
-<file path=ppt/slides/slide24.xml><?xml version="1.0" encoding="utf-8"?>
-<p:sld xmlns:a="http://schemas.openxmlformats.org/drawingml/2006/main" xmlns:r="http://schemas.openxmlformats.org/officeDocument/2006/relationships" xmlns:p="http://schemas.openxmlformats.org/presentationml/2006/main">
-  <p:cSld>
-    <p:spTree>
-      <p:nvGrpSpPr>
-        <p:cNvPr id="1" name=""/>
-        <p:cNvGrpSpPr/>
-        <p:nvPr/>
-      </p:nvGrpSpPr>
-      <p:grpSpPr>
-        <a:xfrm>
-          <a:off x="0" y="0"/>
-          <a:ext cx="0" cy="0"/>
-          <a:chOff x="0" y="0"/>
-          <a:chExt cx="0" cy="0"/>
-        </a:xfrm>
-      </p:grpSpPr>
-      <p:pic>
-        <p:nvPicPr>
-          <p:cNvPr id="120" name="Picture 119"/>
-          <p:cNvPicPr/>
-          <p:nvPr/>
-        </p:nvPicPr>
-        <p:blipFill>
-          <a:blip r:embed="rId2"/>
-          <a:stretch/>
-        </p:blipFill>
-        <p:spPr>
-          <a:xfrm>
-            <a:off x="838080" y="1690200"/>
-            <a:ext cx="3704760" cy="3704760"/>
-          </a:xfrm>
-          <a:prstGeom prst="rect">
-            <a:avLst/>
-          </a:prstGeom>
-          <a:ln w="0">
-            <a:noFill/>
-          </a:ln>
-        </p:spPr>
-      </p:pic>
-      <p:sp>
-        <p:nvSpPr>
-          <p:cNvPr id="119" name="PlaceHolder 1"/>
-          <p:cNvSpPr>
-            <a:spLocks noGrp="1"/>
-          </p:cNvSpPr>
-          <p:nvPr>
-            <p:ph type="title"/>
-          </p:nvPr>
-        </p:nvSpPr>
-        <p:spPr>
-          <a:prstGeom prst="rect">
-            <a:avLst/>
-          </a:prstGeom>
-          <a:noFill/>
-          <a:ln w="0">
-            <a:noFill/>
-          </a:ln>
-        </p:spPr>
-        <p:txBody>
-          <a:bodyPr lIns="91440" tIns="45720" rIns="91440" bIns="45720" anchor="ctr">
-            <a:noAutofit/>
-          </a:bodyPr>
-          <a:lstStyle/>
-          <a:p>
-            <a:pPr indent="0" defTabSz="914400">
-              <a:lnSpc>
-                <a:spcPct val="90000"/>
-              </a:lnSpc>
-              <a:buNone/>
-            </a:pPr>
-            <a:r>
-              <a:rPr lang="en-US" dirty="0"/>
-              <a:t>Analysis for state Karnataka</a:t>
-            </a:r>
-          </a:p>
-        </p:txBody>
-      </p:sp>
-      <p:sp>
-        <p:nvSpPr>
-          <p:cNvPr id="4" name="TextBox 3">
-            <a:extLst>
-              <a:ext uri="{FF2B5EF4-FFF2-40B4-BE49-F238E27FC236}">
-                <a16:creationId xmlns:a16="http://schemas.microsoft.com/office/drawing/2014/main" id="{825A0DD0-8442-70BD-2451-67B3B233108A}"/>
-              </a:ext>
-            </a:extLst>
-          </p:cNvPr>
-          <p:cNvSpPr txBox="1"/>
-          <p:nvPr/>
-        </p:nvSpPr>
-        <p:spPr>
-          <a:xfrm>
-            <a:off x="658761" y="5624052"/>
-            <a:ext cx="7157884" cy="646331"/>
-          </a:xfrm>
-          <a:prstGeom prst="rect">
-            <a:avLst/>
-          </a:prstGeom>
-          <a:noFill/>
-        </p:spPr>
-        <p:txBody>
-          <a:bodyPr wrap="square" rtlCol="0">
-            <a:spAutoFit/>
-          </a:bodyPr>
-          <a:lstStyle/>
-          <a:p>
-            <a:r>
-              <a:rPr lang="en-IN" dirty="0"/>
-              <a:t>From where in Karnataka we get most of the observations?</a:t>
-            </a:r>
-          </a:p>
-          <a:p>
-            <a:r>
-              <a:rPr lang="en-US" sz="1800" b="0" strike="noStrike" spc="-1" dirty="0">
-                <a:solidFill>
-                  <a:schemeClr val="dk1"/>
-                </a:solidFill>
-                <a:latin typeface="Calibri"/>
-              </a:rPr>
-              <a:t>Bengaluru, Mysuru and Mangalore</a:t>
-            </a:r>
-            <a:endParaRPr lang="en-IN" dirty="0"/>
-          </a:p>
-        </p:txBody>
-      </p:sp>
-    </p:spTree>
+    <p:extLst>
+      <p:ext uri="{BB962C8B-B14F-4D97-AF65-F5344CB8AC3E}">
+        <p14:creationId xmlns:p14="http://schemas.microsoft.com/office/powerpoint/2010/main" val="3699560392"/>
+      </p:ext>
+    </p:extLst>
   </p:cSld>
   <p:clrMapOvr>
     <a:masterClrMapping/>
@@ -17035,7 +17042,7 @@
       </p:grpSpPr>
       <p:sp>
         <p:nvSpPr>
-          <p:cNvPr id="122" name="PlaceHolder 2"/>
+          <p:cNvPr id="104" name="PlaceHolder 2"/>
           <p:cNvSpPr>
             <a:spLocks noGrp="1"/>
           </p:cNvSpPr>
@@ -17046,7 +17053,7 @@
         <p:spPr>
           <a:xfrm>
             <a:off x="838080" y="1825560"/>
-            <a:ext cx="8679546" cy="4350960"/>
+            <a:ext cx="8600888" cy="4350960"/>
           </a:xfrm>
           <a:prstGeom prst="rect">
             <a:avLst/>
@@ -17121,7 +17128,25 @@
                 </a:solidFill>
                 <a:latin typeface="Calibri"/>
               </a:rPr>
-              <a:t>ostly found 85% kingdom was Animalia and 51% phylum is Chordata.</a:t>
+              <a:t>ostly found kingdom was Animalia and phylum is </a:t>
+            </a:r>
+            <a:r>
+              <a:rPr lang="en-US" sz="2800" spc="-1" dirty="0">
+                <a:solidFill>
+                  <a:schemeClr val="dk1"/>
+                </a:solidFill>
+                <a:latin typeface="Calibri"/>
+              </a:rPr>
+              <a:t>A</a:t>
+            </a:r>
+            <a:r>
+              <a:rPr lang="en-US" sz="2800" b="0" strike="noStrike" spc="-1" dirty="0">
+                <a:solidFill>
+                  <a:schemeClr val="dk1"/>
+                </a:solidFill>
+                <a:latin typeface="Calibri"/>
+              </a:rPr>
+              <a:t>rthropoda.</a:t>
             </a:r>
           </a:p>
           <a:p>
@@ -17148,14 +17173,32 @@
                 </a:solidFill>
                 <a:latin typeface="Calibri"/>
               </a:rPr>
-              <a:t>Using clustering to find the cluster which gives the dense region where the discoveries are more, found out that cities are Bengaluru, Mysuru and Mangalore.</a:t>
-            </a:r>
-          </a:p>
-        </p:txBody>
-      </p:sp>
-      <p:sp>
-        <p:nvSpPr>
-          <p:cNvPr id="121" name="PlaceHolder 1"/>
+              <a:t>Using clustering to find the cluster which gives the dense region where the discoveries are more, found out that cities are Mumbai, </a:t>
+            </a:r>
+            <a:r>
+              <a:rPr lang="en-US" sz="2800" spc="-1" dirty="0">
+                <a:solidFill>
+                  <a:schemeClr val="dk1"/>
+                </a:solidFill>
+                <a:latin typeface="Calibri"/>
+              </a:rPr>
+              <a:t>P</a:t>
+            </a:r>
+            <a:r>
+              <a:rPr lang="en-US" sz="2800" b="0" strike="noStrike" spc="-1" dirty="0">
+                <a:solidFill>
+                  <a:schemeClr val="dk1"/>
+                </a:solidFill>
+                <a:latin typeface="Calibri"/>
+              </a:rPr>
+              <a:t>une and Nagpur.</a:t>
+            </a:r>
+          </a:p>
+        </p:txBody>
+      </p:sp>
+      <p:sp>
+        <p:nvSpPr>
+          <p:cNvPr id="103" name="PlaceHolder 1"/>
           <p:cNvSpPr>
             <a:spLocks noGrp="1"/>
           </p:cNvSpPr>
@@ -17186,12 +17229,17 @@
             </a:pPr>
             <a:r>
               <a:rPr lang="en-US" dirty="0"/>
-              <a:t>Analysis for state Karnataka</a:t>
+              <a:t>Analysis for state Maharashtra</a:t>
             </a:r>
           </a:p>
         </p:txBody>
       </p:sp>
     </p:spTree>
+    <p:extLst>
+      <p:ext uri="{BB962C8B-B14F-4D97-AF65-F5344CB8AC3E}">
+        <p14:creationId xmlns:p14="http://schemas.microsoft.com/office/powerpoint/2010/main" val="2400767381"/>
+      </p:ext>
+    </p:extLst>
   </p:cSld>
   <p:clrMapOvr>
     <a:masterClrMapping/>
@@ -17218,6 +17266,447 @@
       </p:grpSpPr>
       <p:sp>
         <p:nvSpPr>
+          <p:cNvPr id="119" name="PlaceHolder 1"/>
+          <p:cNvSpPr>
+            <a:spLocks noGrp="1"/>
+          </p:cNvSpPr>
+          <p:nvPr>
+            <p:ph type="title"/>
+          </p:nvPr>
+        </p:nvSpPr>
+        <p:spPr>
+          <a:prstGeom prst="rect">
+            <a:avLst/>
+          </a:prstGeom>
+          <a:noFill/>
+          <a:ln w="0">
+            <a:noFill/>
+          </a:ln>
+        </p:spPr>
+        <p:txBody>
+          <a:bodyPr lIns="91440" tIns="45720" rIns="91440" bIns="45720" anchor="ctr">
+            <a:noAutofit/>
+          </a:bodyPr>
+          <a:lstStyle/>
+          <a:p>
+            <a:pPr indent="0" defTabSz="914400">
+              <a:lnSpc>
+                <a:spcPct val="90000"/>
+              </a:lnSpc>
+              <a:buNone/>
+            </a:pPr>
+            <a:r>
+              <a:rPr lang="en-US" dirty="0"/>
+              <a:t>More Analysis in Maharashtra </a:t>
+            </a:r>
+            <a:br>
+              <a:rPr lang="en-US" dirty="0"/>
+            </a:br>
+            <a:r>
+              <a:rPr lang="en-US" dirty="0"/>
+              <a:t>Particularly Pune</a:t>
+            </a:r>
+          </a:p>
+        </p:txBody>
+      </p:sp>
+      <p:pic>
+        <p:nvPicPr>
+          <p:cNvPr id="3" name="Picture 2">
+            <a:extLst>
+              <a:ext uri="{FF2B5EF4-FFF2-40B4-BE49-F238E27FC236}">
+                <a16:creationId xmlns:a16="http://schemas.microsoft.com/office/drawing/2014/main" id="{F2CB6015-151B-DD62-F707-8ECAC9F63626}"/>
+              </a:ext>
+            </a:extLst>
+          </p:cNvPr>
+          <p:cNvPicPr>
+            <a:picLocks noChangeAspect="1"/>
+          </p:cNvPicPr>
+          <p:nvPr/>
+        </p:nvPicPr>
+        <p:blipFill>
+          <a:blip r:embed="rId2"/>
+          <a:stretch>
+            <a:fillRect/>
+          </a:stretch>
+        </p:blipFill>
+        <p:spPr>
+          <a:xfrm>
+            <a:off x="4670321" y="1395232"/>
+            <a:ext cx="4171007" cy="4290900"/>
+          </a:xfrm>
+          <a:prstGeom prst="rect">
+            <a:avLst/>
+          </a:prstGeom>
+        </p:spPr>
+      </p:pic>
+      <p:sp>
+        <p:nvSpPr>
+          <p:cNvPr id="5" name="TextBox 4">
+            <a:extLst>
+              <a:ext uri="{FF2B5EF4-FFF2-40B4-BE49-F238E27FC236}">
+                <a16:creationId xmlns:a16="http://schemas.microsoft.com/office/drawing/2014/main" id="{2B777C30-0E6A-FBAC-2954-D450A5CD4F44}"/>
+              </a:ext>
+            </a:extLst>
+          </p:cNvPr>
+          <p:cNvSpPr txBox="1"/>
+          <p:nvPr/>
+        </p:nvSpPr>
+        <p:spPr>
+          <a:xfrm>
+            <a:off x="1012724" y="2741456"/>
+            <a:ext cx="2517058" cy="923330"/>
+          </a:xfrm>
+          <a:prstGeom prst="rect">
+            <a:avLst/>
+          </a:prstGeom>
+          <a:noFill/>
+        </p:spPr>
+        <p:txBody>
+          <a:bodyPr wrap="square" rtlCol="0">
+            <a:spAutoFit/>
+          </a:bodyPr>
+          <a:lstStyle/>
+          <a:p>
+            <a:r>
+              <a:rPr lang="en-IN" dirty="0"/>
+              <a:t>We have find out top 5 researchers in Pune.</a:t>
+            </a:r>
+          </a:p>
+          <a:p>
+            <a:endParaRPr lang="en-IN" dirty="0"/>
+          </a:p>
+        </p:txBody>
+      </p:sp>
+    </p:spTree>
+    <p:extLst>
+      <p:ext uri="{BB962C8B-B14F-4D97-AF65-F5344CB8AC3E}">
+        <p14:creationId xmlns:p14="http://schemas.microsoft.com/office/powerpoint/2010/main" val="1532522413"/>
+      </p:ext>
+    </p:extLst>
+  </p:cSld>
+  <p:clrMapOvr>
+    <a:masterClrMapping/>
+  </p:clrMapOvr>
+</p:sld>
+</file>
+
+<file path=ppt/slides/slide27.xml><?xml version="1.0" encoding="utf-8"?>
+<p:sld xmlns:a="http://schemas.openxmlformats.org/drawingml/2006/main" xmlns:r="http://schemas.openxmlformats.org/officeDocument/2006/relationships" xmlns:p="http://schemas.openxmlformats.org/presentationml/2006/main">
+  <p:cSld>
+    <p:spTree>
+      <p:nvGrpSpPr>
+        <p:cNvPr id="1" name=""/>
+        <p:cNvGrpSpPr/>
+        <p:nvPr/>
+      </p:nvGrpSpPr>
+      <p:grpSpPr>
+        <a:xfrm>
+          <a:off x="0" y="0"/>
+          <a:ext cx="0" cy="0"/>
+          <a:chOff x="0" y="0"/>
+          <a:chExt cx="0" cy="0"/>
+        </a:xfrm>
+      </p:grpSpPr>
+      <p:sp>
+        <p:nvSpPr>
+          <p:cNvPr id="119" name="PlaceHolder 1"/>
+          <p:cNvSpPr>
+            <a:spLocks noGrp="1"/>
+          </p:cNvSpPr>
+          <p:nvPr>
+            <p:ph type="title"/>
+          </p:nvPr>
+        </p:nvSpPr>
+        <p:spPr>
+          <a:xfrm>
+            <a:off x="366958" y="390207"/>
+            <a:ext cx="10515240" cy="1325160"/>
+          </a:xfrm>
+          <a:prstGeom prst="rect">
+            <a:avLst/>
+          </a:prstGeom>
+          <a:noFill/>
+          <a:ln w="0">
+            <a:noFill/>
+          </a:ln>
+        </p:spPr>
+        <p:txBody>
+          <a:bodyPr lIns="91440" tIns="45720" rIns="91440" bIns="45720" anchor="ctr">
+            <a:noAutofit/>
+          </a:bodyPr>
+          <a:lstStyle/>
+          <a:p>
+            <a:pPr defTabSz="914400">
+              <a:lnSpc>
+                <a:spcPct val="90000"/>
+              </a:lnSpc>
+            </a:pPr>
+            <a:r>
+              <a:rPr lang="en-US" dirty="0"/>
+              <a:t>Which species discovered </a:t>
+            </a:r>
+            <a:br>
+              <a:rPr lang="en-US" dirty="0"/>
+            </a:br>
+            <a:r>
+              <a:rPr lang="en-US" dirty="0"/>
+              <a:t>by Bhalchandra Pujari sir and Where?</a:t>
+            </a:r>
+            <a:br>
+              <a:rPr lang="en-US" dirty="0"/>
+            </a:br>
+            <a:endParaRPr lang="en-US" dirty="0"/>
+          </a:p>
+        </p:txBody>
+      </p:sp>
+      <p:pic>
+        <p:nvPicPr>
+          <p:cNvPr id="4" name="Picture 3">
+            <a:extLst>
+              <a:ext uri="{FF2B5EF4-FFF2-40B4-BE49-F238E27FC236}">
+                <a16:creationId xmlns:a16="http://schemas.microsoft.com/office/drawing/2014/main" id="{62D79251-2C8B-589D-8A00-75437F89F91F}"/>
+              </a:ext>
+            </a:extLst>
+          </p:cNvPr>
+          <p:cNvPicPr>
+            <a:picLocks noChangeAspect="1"/>
+          </p:cNvPicPr>
+          <p:nvPr/>
+        </p:nvPicPr>
+        <p:blipFill>
+          <a:blip r:embed="rId2"/>
+          <a:stretch>
+            <a:fillRect/>
+          </a:stretch>
+        </p:blipFill>
+        <p:spPr>
+          <a:xfrm>
+            <a:off x="366958" y="1809325"/>
+            <a:ext cx="9330932" cy="963371"/>
+          </a:xfrm>
+          <a:prstGeom prst="rect">
+            <a:avLst/>
+          </a:prstGeom>
+        </p:spPr>
+      </p:pic>
+      <p:pic>
+        <p:nvPicPr>
+          <p:cNvPr id="1026" name="Picture 2" descr="Punica granatum - Balkan Ecology Project">
+            <a:extLst>
+              <a:ext uri="{FF2B5EF4-FFF2-40B4-BE49-F238E27FC236}">
+                <a16:creationId xmlns:a16="http://schemas.microsoft.com/office/drawing/2014/main" id="{0886B1CD-AFDD-6A72-F63E-AED1EF41C599}"/>
+              </a:ext>
+            </a:extLst>
+          </p:cNvPr>
+          <p:cNvPicPr>
+            <a:picLocks noChangeAspect="1" noChangeArrowheads="1"/>
+          </p:cNvPicPr>
+          <p:nvPr/>
+        </p:nvPicPr>
+        <p:blipFill>
+          <a:blip r:embed="rId3">
+            <a:extLst>
+              <a:ext uri="{28A0092B-C50C-407E-A947-70E740481C1C}">
+                <a14:useLocalDpi xmlns:a14="http://schemas.microsoft.com/office/drawing/2010/main" val="0"/>
+              </a:ext>
+            </a:extLst>
+          </a:blip>
+          <a:srcRect/>
+          <a:stretch>
+            <a:fillRect/>
+          </a:stretch>
+        </p:blipFill>
+        <p:spPr bwMode="auto">
+          <a:xfrm>
+            <a:off x="366958" y="3213767"/>
+            <a:ext cx="3178755" cy="2115317"/>
+          </a:xfrm>
+          <a:prstGeom prst="rect">
+            <a:avLst/>
+          </a:prstGeom>
+          <a:noFill/>
+          <a:extLst>
+            <a:ext uri="{909E8E84-426E-40DD-AFC4-6F175D3DCCD1}">
+              <a14:hiddenFill xmlns:a14="http://schemas.microsoft.com/office/drawing/2010/main">
+                <a:solidFill>
+                  <a:srgbClr val="FFFFFF"/>
+                </a:solidFill>
+              </a14:hiddenFill>
+            </a:ext>
+          </a:extLst>
+        </p:spPr>
+      </p:pic>
+      <p:pic>
+        <p:nvPicPr>
+          <p:cNvPr id="1028" name="Picture 4" descr="Maliattha quadripartita Walker, 1865 by ...">
+            <a:extLst>
+              <a:ext uri="{FF2B5EF4-FFF2-40B4-BE49-F238E27FC236}">
+                <a16:creationId xmlns:a16="http://schemas.microsoft.com/office/drawing/2014/main" id="{05ACD67B-2BD2-F86B-29B3-E192EDCA88B3}"/>
+              </a:ext>
+            </a:extLst>
+          </p:cNvPr>
+          <p:cNvPicPr>
+            <a:picLocks noChangeAspect="1" noChangeArrowheads="1"/>
+          </p:cNvPicPr>
+          <p:nvPr/>
+        </p:nvPicPr>
+        <p:blipFill>
+          <a:blip r:embed="rId4">
+            <a:extLst>
+              <a:ext uri="{28A0092B-C50C-407E-A947-70E740481C1C}">
+                <a14:useLocalDpi xmlns:a14="http://schemas.microsoft.com/office/drawing/2010/main" val="0"/>
+              </a:ext>
+            </a:extLst>
+          </a:blip>
+          <a:srcRect/>
+          <a:stretch>
+            <a:fillRect/>
+          </a:stretch>
+        </p:blipFill>
+        <p:spPr bwMode="auto">
+          <a:xfrm>
+            <a:off x="4180449" y="3207816"/>
+            <a:ext cx="2834960" cy="2115316"/>
+          </a:xfrm>
+          <a:prstGeom prst="rect">
+            <a:avLst/>
+          </a:prstGeom>
+          <a:noFill/>
+          <a:extLst>
+            <a:ext uri="{909E8E84-426E-40DD-AFC4-6F175D3DCCD1}">
+              <a14:hiddenFill xmlns:a14="http://schemas.microsoft.com/office/drawing/2010/main">
+                <a:solidFill>
+                  <a:srgbClr val="FFFFFF"/>
+                </a:solidFill>
+              </a14:hiddenFill>
+            </a:ext>
+          </a:extLst>
+        </p:spPr>
+      </p:pic>
+      <p:sp>
+        <p:nvSpPr>
+          <p:cNvPr id="6" name="AutoShape 6" descr="Tridax procumbens - Wikipedia">
+            <a:extLst>
+              <a:ext uri="{FF2B5EF4-FFF2-40B4-BE49-F238E27FC236}">
+                <a16:creationId xmlns:a16="http://schemas.microsoft.com/office/drawing/2014/main" id="{364C12A9-B6AF-D60A-BC3A-08D1D005B2B7}"/>
+              </a:ext>
+            </a:extLst>
+          </p:cNvPr>
+          <p:cNvSpPr>
+            <a:spLocks noChangeAspect="1" noChangeArrowheads="1"/>
+          </p:cNvSpPr>
+          <p:nvPr/>
+        </p:nvSpPr>
+        <p:spPr bwMode="auto">
+          <a:xfrm>
+            <a:off x="5943600" y="3276600"/>
+            <a:ext cx="304800" cy="304800"/>
+          </a:xfrm>
+          <a:prstGeom prst="rect">
+            <a:avLst/>
+          </a:prstGeom>
+          <a:noFill/>
+          <a:extLst>
+            <a:ext uri="{909E8E84-426E-40DD-AFC4-6F175D3DCCD1}">
+              <a14:hiddenFill xmlns:a14="http://schemas.microsoft.com/office/drawing/2010/main">
+                <a:solidFill>
+                  <a:srgbClr val="FFFFFF"/>
+                </a:solidFill>
+              </a14:hiddenFill>
+            </a:ext>
+          </a:extLst>
+        </p:spPr>
+        <p:txBody>
+          <a:bodyPr vert="horz" wrap="square" lIns="91440" tIns="45720" rIns="91440" bIns="45720" numCol="1" anchor="t" anchorCtr="0" compatLnSpc="1">
+            <a:prstTxWarp prst="textNoShape">
+              <a:avLst/>
+            </a:prstTxWarp>
+          </a:bodyPr>
+          <a:lstStyle/>
+          <a:p>
+            <a:endParaRPr lang="en-IN"/>
+          </a:p>
+        </p:txBody>
+      </p:sp>
+      <p:pic>
+        <p:nvPicPr>
+          <p:cNvPr id="1032" name="Picture 8" descr="Tridax procumbens - Wikipedia">
+            <a:extLst>
+              <a:ext uri="{FF2B5EF4-FFF2-40B4-BE49-F238E27FC236}">
+                <a16:creationId xmlns:a16="http://schemas.microsoft.com/office/drawing/2014/main" id="{A0A0114D-82B6-A6E8-78BA-9AA986A72A86}"/>
+              </a:ext>
+            </a:extLst>
+          </p:cNvPr>
+          <p:cNvPicPr>
+            <a:picLocks noChangeAspect="1" noChangeArrowheads="1"/>
+          </p:cNvPicPr>
+          <p:nvPr/>
+        </p:nvPicPr>
+        <p:blipFill>
+          <a:blip r:embed="rId5" cstate="print">
+            <a:extLst>
+              <a:ext uri="{28A0092B-C50C-407E-A947-70E740481C1C}">
+                <a14:useLocalDpi xmlns:a14="http://schemas.microsoft.com/office/drawing/2010/main" val="0"/>
+              </a:ext>
+            </a:extLst>
+          </a:blip>
+          <a:srcRect/>
+          <a:stretch>
+            <a:fillRect/>
+          </a:stretch>
+        </p:blipFill>
+        <p:spPr bwMode="auto">
+          <a:xfrm>
+            <a:off x="7650146" y="3207816"/>
+            <a:ext cx="2047744" cy="2115316"/>
+          </a:xfrm>
+          <a:prstGeom prst="rect">
+            <a:avLst/>
+          </a:prstGeom>
+          <a:noFill/>
+          <a:extLst>
+            <a:ext uri="{909E8E84-426E-40DD-AFC4-6F175D3DCCD1}">
+              <a14:hiddenFill xmlns:a14="http://schemas.microsoft.com/office/drawing/2010/main">
+                <a:solidFill>
+                  <a:srgbClr val="FFFFFF"/>
+                </a:solidFill>
+              </a14:hiddenFill>
+            </a:ext>
+          </a:extLst>
+        </p:spPr>
+      </p:pic>
+    </p:spTree>
+    <p:extLst>
+      <p:ext uri="{BB962C8B-B14F-4D97-AF65-F5344CB8AC3E}">
+        <p14:creationId xmlns:p14="http://schemas.microsoft.com/office/powerpoint/2010/main" val="3330668763"/>
+      </p:ext>
+    </p:extLst>
+  </p:cSld>
+  <p:clrMapOvr>
+    <a:masterClrMapping/>
+  </p:clrMapOvr>
+</p:sld>
+</file>
+
+<file path=ppt/slides/slide28.xml><?xml version="1.0" encoding="utf-8"?>
+<p:sld xmlns:a="http://schemas.openxmlformats.org/drawingml/2006/main" xmlns:r="http://schemas.openxmlformats.org/officeDocument/2006/relationships" xmlns:p="http://schemas.openxmlformats.org/presentationml/2006/main">
+  <p:cSld>
+    <p:spTree>
+      <p:nvGrpSpPr>
+        <p:cNvPr id="1" name=""/>
+        <p:cNvGrpSpPr/>
+        <p:nvPr/>
+      </p:nvGrpSpPr>
+      <p:grpSpPr>
+        <a:xfrm>
+          <a:off x="0" y="0"/>
+          <a:ext cx="0" cy="0"/>
+          <a:chOff x="0" y="0"/>
+          <a:chExt cx="0" cy="0"/>
+        </a:xfrm>
+      </p:grpSpPr>
+      <p:sp>
+        <p:nvSpPr>
           <p:cNvPr id="122" name="PlaceHolder 2"/>
           <p:cNvSpPr>
             <a:spLocks noGrp="1"/>
@@ -17331,7 +17820,7 @@
                 </a:solidFill>
                 <a:latin typeface="Calibri"/>
               </a:rPr>
-              <a:t>In India most of the observation came from coastal area.</a:t>
+              <a:t>Most of the observation came from coastal area.</a:t>
             </a:r>
           </a:p>
           <a:p>
@@ -17385,23 +17874,8 @@
                 </a:solidFill>
                 <a:latin typeface="Calibri"/>
               </a:rPr>
-              <a:t>As seen on Map southern part of India have </a:t>
-            </a:r>
-            <a:r>
-              <a:rPr lang="en-US" sz="2800" spc="-1">
-                <a:solidFill>
-                  <a:schemeClr val="dk1"/>
-                </a:solidFill>
-                <a:latin typeface="Calibri"/>
-              </a:rPr>
-              <a:t>dense observations. </a:t>
-            </a:r>
-            <a:endParaRPr lang="en-US" sz="2800" spc="-1" dirty="0">
-              <a:solidFill>
-                <a:schemeClr val="dk1"/>
-              </a:solidFill>
-              <a:latin typeface="Calibri"/>
-            </a:endParaRPr>
+              <a:t>As seen on Map southern part of India have dense observations. </a:t>
+            </a:r>
           </a:p>
           <a:p>
             <a:pPr marL="228600" indent="-228600" defTabSz="914400">
@@ -17594,7 +18068,25 @@
                 </a:solidFill>
                 <a:latin typeface="Calibri"/>
               </a:rPr>
-              <a:t>Finding the column which has missing values more than 10% and eliminate those columns.</a:t>
+              <a:t>Finding the column which has missing values more than </a:t>
+            </a:r>
+            <a:r>
+              <a:rPr lang="en-US" sz="2800" spc="-1" dirty="0">
+                <a:solidFill>
+                  <a:schemeClr val="dk1"/>
+                </a:solidFill>
+                <a:latin typeface="Calibri"/>
+              </a:rPr>
+              <a:t>1</a:t>
+            </a:r>
+            <a:r>
+              <a:rPr lang="en-US" sz="2800" b="0" strike="noStrike" spc="-1" dirty="0">
+                <a:solidFill>
+                  <a:schemeClr val="dk1"/>
+                </a:solidFill>
+                <a:latin typeface="Calibri"/>
+              </a:rPr>
+              <a:t>0% and eliminate those columns.</a:t>
             </a:r>
           </a:p>
           <a:p>
@@ -17812,8 +18304,8 @@
         </p:blipFill>
         <p:spPr>
           <a:xfrm>
-            <a:off x="2008119" y="1690200"/>
-            <a:ext cx="5916681" cy="3434391"/>
+            <a:off x="838080" y="1405064"/>
+            <a:ext cx="7607830" cy="4602446"/>
           </a:xfrm>
           <a:prstGeom prst="rect">
             <a:avLst/>
@@ -17870,6 +18362,127 @@
 </file>
 
 <file path=ppt/slides/slide5.xml><?xml version="1.0" encoding="utf-8"?>
+<p:sld xmlns:a="http://schemas.openxmlformats.org/drawingml/2006/main" xmlns:r="http://schemas.openxmlformats.org/officeDocument/2006/relationships" xmlns:p="http://schemas.openxmlformats.org/presentationml/2006/main">
+  <p:cSld>
+    <p:spTree>
+      <p:nvGrpSpPr>
+        <p:cNvPr id="1" name=""/>
+        <p:cNvGrpSpPr/>
+        <p:nvPr/>
+      </p:nvGrpSpPr>
+      <p:grpSpPr>
+        <a:xfrm>
+          <a:off x="0" y="0"/>
+          <a:ext cx="0" cy="0"/>
+          <a:chOff x="0" y="0"/>
+          <a:chExt cx="0" cy="0"/>
+        </a:xfrm>
+      </p:grpSpPr>
+      <p:pic>
+        <p:nvPicPr>
+          <p:cNvPr id="78" name="Picture 77"/>
+          <p:cNvPicPr/>
+          <p:nvPr/>
+        </p:nvPicPr>
+        <p:blipFill>
+          <a:blip r:embed="rId2"/>
+          <a:stretch/>
+        </p:blipFill>
+        <p:spPr>
+          <a:xfrm>
+            <a:off x="838080" y="1690200"/>
+            <a:ext cx="5609880" cy="4771800"/>
+          </a:xfrm>
+          <a:prstGeom prst="rect">
+            <a:avLst/>
+          </a:prstGeom>
+          <a:ln w="0">
+            <a:noFill/>
+          </a:ln>
+        </p:spPr>
+      </p:pic>
+      <p:sp>
+        <p:nvSpPr>
+          <p:cNvPr id="77" name="PlaceHolder 1"/>
+          <p:cNvSpPr>
+            <a:spLocks noGrp="1"/>
+          </p:cNvSpPr>
+          <p:nvPr>
+            <p:ph type="title"/>
+          </p:nvPr>
+        </p:nvSpPr>
+        <p:spPr>
+          <a:prstGeom prst="rect">
+            <a:avLst/>
+          </a:prstGeom>
+          <a:noFill/>
+          <a:ln w="0">
+            <a:noFill/>
+          </a:ln>
+        </p:spPr>
+        <p:txBody>
+          <a:bodyPr lIns="91440" tIns="45720" rIns="91440" bIns="45720" anchor="ctr">
+            <a:noAutofit/>
+          </a:bodyPr>
+          <a:lstStyle/>
+          <a:p>
+            <a:pPr indent="0" defTabSz="914400">
+              <a:lnSpc>
+                <a:spcPct val="90000"/>
+              </a:lnSpc>
+              <a:buNone/>
+            </a:pPr>
+            <a:r>
+              <a:rPr lang="en-US" dirty="0"/>
+              <a:t>Distribution of kingdom around globe</a:t>
+            </a:r>
+          </a:p>
+        </p:txBody>
+      </p:sp>
+      <p:sp>
+        <p:nvSpPr>
+          <p:cNvPr id="2" name="TextBox 1">
+            <a:extLst>
+              <a:ext uri="{FF2B5EF4-FFF2-40B4-BE49-F238E27FC236}">
+                <a16:creationId xmlns:a16="http://schemas.microsoft.com/office/drawing/2014/main" id="{2C0B6DA8-3ED3-B711-D83F-9A303290BC09}"/>
+              </a:ext>
+            </a:extLst>
+          </p:cNvPr>
+          <p:cNvSpPr txBox="1"/>
+          <p:nvPr/>
+        </p:nvSpPr>
+        <p:spPr>
+          <a:xfrm>
+            <a:off x="6872748" y="2875771"/>
+            <a:ext cx="2792362" cy="1200329"/>
+          </a:xfrm>
+          <a:prstGeom prst="rect">
+            <a:avLst/>
+          </a:prstGeom>
+          <a:noFill/>
+        </p:spPr>
+        <p:txBody>
+          <a:bodyPr wrap="square" rtlCol="0">
+            <a:spAutoFit/>
+          </a:bodyPr>
+          <a:lstStyle/>
+          <a:p>
+            <a:r>
+              <a:rPr lang="en-IN" dirty="0"/>
+              <a:t>Animalia and Plantae are the most commonly founded kingdom around globe</a:t>
+            </a:r>
+          </a:p>
+        </p:txBody>
+      </p:sp>
+    </p:spTree>
+  </p:cSld>
+  <p:clrMapOvr>
+    <a:masterClrMapping/>
+  </p:clrMapOvr>
+</p:sld>
+</file>
+
+<file path=ppt/slides/slide6.xml><?xml version="1.0" encoding="utf-8"?>
 <p:sld xmlns:a="http://schemas.openxmlformats.org/drawingml/2006/main" xmlns:r="http://schemas.openxmlformats.org/officeDocument/2006/relationships" xmlns:p="http://schemas.openxmlformats.org/presentationml/2006/main">
   <p:cSld>
     <p:spTree>
@@ -18071,127 +18684,6 @@
             <a:r>
               <a:rPr lang="en-IN" dirty="0"/>
               <a:t>Most of the species found near coastal line in few countries.</a:t>
-            </a:r>
-          </a:p>
-        </p:txBody>
-      </p:sp>
-    </p:spTree>
-  </p:cSld>
-  <p:clrMapOvr>
-    <a:masterClrMapping/>
-  </p:clrMapOvr>
-</p:sld>
-</file>
-
-<file path=ppt/slides/slide6.xml><?xml version="1.0" encoding="utf-8"?>
-<p:sld xmlns:a="http://schemas.openxmlformats.org/drawingml/2006/main" xmlns:r="http://schemas.openxmlformats.org/officeDocument/2006/relationships" xmlns:p="http://schemas.openxmlformats.org/presentationml/2006/main">
-  <p:cSld>
-    <p:spTree>
-      <p:nvGrpSpPr>
-        <p:cNvPr id="1" name=""/>
-        <p:cNvGrpSpPr/>
-        <p:nvPr/>
-      </p:nvGrpSpPr>
-      <p:grpSpPr>
-        <a:xfrm>
-          <a:off x="0" y="0"/>
-          <a:ext cx="0" cy="0"/>
-          <a:chOff x="0" y="0"/>
-          <a:chExt cx="0" cy="0"/>
-        </a:xfrm>
-      </p:grpSpPr>
-      <p:pic>
-        <p:nvPicPr>
-          <p:cNvPr id="78" name="Picture 77"/>
-          <p:cNvPicPr/>
-          <p:nvPr/>
-        </p:nvPicPr>
-        <p:blipFill>
-          <a:blip r:embed="rId2"/>
-          <a:stretch/>
-        </p:blipFill>
-        <p:spPr>
-          <a:xfrm>
-            <a:off x="838080" y="1690200"/>
-            <a:ext cx="5609880" cy="4771800"/>
-          </a:xfrm>
-          <a:prstGeom prst="rect">
-            <a:avLst/>
-          </a:prstGeom>
-          <a:ln w="0">
-            <a:noFill/>
-          </a:ln>
-        </p:spPr>
-      </p:pic>
-      <p:sp>
-        <p:nvSpPr>
-          <p:cNvPr id="77" name="PlaceHolder 1"/>
-          <p:cNvSpPr>
-            <a:spLocks noGrp="1"/>
-          </p:cNvSpPr>
-          <p:nvPr>
-            <p:ph type="title"/>
-          </p:nvPr>
-        </p:nvSpPr>
-        <p:spPr>
-          <a:prstGeom prst="rect">
-            <a:avLst/>
-          </a:prstGeom>
-          <a:noFill/>
-          <a:ln w="0">
-            <a:noFill/>
-          </a:ln>
-        </p:spPr>
-        <p:txBody>
-          <a:bodyPr lIns="91440" tIns="45720" rIns="91440" bIns="45720" anchor="ctr">
-            <a:noAutofit/>
-          </a:bodyPr>
-          <a:lstStyle/>
-          <a:p>
-            <a:pPr indent="0" defTabSz="914400">
-              <a:lnSpc>
-                <a:spcPct val="90000"/>
-              </a:lnSpc>
-              <a:buNone/>
-            </a:pPr>
-            <a:r>
-              <a:rPr lang="en-US" dirty="0"/>
-              <a:t>Distribution of kingdom around globe</a:t>
-            </a:r>
-          </a:p>
-        </p:txBody>
-      </p:sp>
-      <p:sp>
-        <p:nvSpPr>
-          <p:cNvPr id="2" name="TextBox 1">
-            <a:extLst>
-              <a:ext uri="{FF2B5EF4-FFF2-40B4-BE49-F238E27FC236}">
-                <a16:creationId xmlns:a16="http://schemas.microsoft.com/office/drawing/2014/main" id="{2C0B6DA8-3ED3-B711-D83F-9A303290BC09}"/>
-              </a:ext>
-            </a:extLst>
-          </p:cNvPr>
-          <p:cNvSpPr txBox="1"/>
-          <p:nvPr/>
-        </p:nvSpPr>
-        <p:spPr>
-          <a:xfrm>
-            <a:off x="6872748" y="2875771"/>
-            <a:ext cx="2792362" cy="1200329"/>
-          </a:xfrm>
-          <a:prstGeom prst="rect">
-            <a:avLst/>
-          </a:prstGeom>
-          <a:noFill/>
-        </p:spPr>
-        <p:txBody>
-          <a:bodyPr wrap="square" rtlCol="0">
-            <a:spAutoFit/>
-          </a:bodyPr>
-          <a:lstStyle/>
-          <a:p>
-            <a:r>
-              <a:rPr lang="en-IN" dirty="0"/>
-              <a:t>Animalia and Plantae are the most commonly founded kingdom around globe</a:t>
             </a:r>
           </a:p>
         </p:txBody>
